--- a/Slides/Lesson 10.5 Generalizing this Design.pptx
+++ b/Slides/Lesson 10.5 Generalizing this Design.pptx
@@ -225,7 +225,7 @@
           <a:p>
             <a:fld id="{B7676462-FC52-45C7-85E1-16BDE2BE239E}" type="datetimeFigureOut">
               <a:rPr lang="en-US" smtClean="0"/>
-              <a:t>11/9/2015</a:t>
+              <a:t>11/15/2015</a:t>
             </a:fld>
             <a:endParaRPr lang="en-US"/>
           </a:p>
@@ -842,7 +842,7 @@
           <a:p>
             <a:fld id="{2F1F79F5-7BEC-496A-AFC7-876E38F64D71}" type="datetime1">
               <a:rPr lang="en-US" smtClean="0"/>
-              <a:t>11/9/2015</a:t>
+              <a:t>11/15/2015</a:t>
             </a:fld>
             <a:endParaRPr lang="en-US"/>
           </a:p>
@@ -967,7 +967,7 @@
           <a:p>
             <a:fld id="{2F7B77F5-1464-4F6B-92A8-64FC8A508293}" type="datetime1">
               <a:rPr lang="en-US" smtClean="0"/>
-              <a:t>11/9/2015</a:t>
+              <a:t>11/15/2015</a:t>
             </a:fld>
             <a:endParaRPr lang="en-US"/>
           </a:p>
@@ -1069,7 +1069,7 @@
           <a:p>
             <a:fld id="{0A05703A-7669-4FEA-9056-25299B4D29D4}" type="datetime1">
               <a:rPr lang="en-US" smtClean="0"/>
-              <a:t>11/9/2015</a:t>
+              <a:t>11/15/2015</a:t>
             </a:fld>
             <a:endParaRPr lang="en-US"/>
           </a:p>
@@ -1346,7 +1346,7 @@
           <a:p>
             <a:fld id="{6E5077B5-BB57-49DB-88CA-226A139E5C01}" type="datetime1">
               <a:rPr lang="en-US" smtClean="0"/>
-              <a:t>11/9/2015</a:t>
+              <a:t>11/15/2015</a:t>
             </a:fld>
             <a:endParaRPr lang="en-US"/>
           </a:p>
@@ -1599,7 +1599,7 @@
           <a:p>
             <a:fld id="{C48D9447-CBD6-49A1-89FD-8512A8CF8999}" type="datetime1">
               <a:rPr lang="en-US" smtClean="0"/>
-              <a:t>11/9/2015</a:t>
+              <a:t>11/15/2015</a:t>
             </a:fld>
             <a:endParaRPr lang="en-US"/>
           </a:p>
@@ -1769,7 +1769,7 @@
           <a:p>
             <a:fld id="{A3639A2A-823D-48B7-9ACE-7FAF42870BA9}" type="datetime1">
               <a:rPr lang="en-US" smtClean="0"/>
-              <a:t>11/9/2015</a:t>
+              <a:t>11/15/2015</a:t>
             </a:fld>
             <a:endParaRPr lang="en-US"/>
           </a:p>
@@ -1949,7 +1949,7 @@
           <a:p>
             <a:fld id="{ED1B6996-82E9-463C-972C-7B56056E426C}" type="datetime1">
               <a:rPr lang="en-US" smtClean="0"/>
-              <a:t>11/9/2015</a:t>
+              <a:t>11/15/2015</a:t>
             </a:fld>
             <a:endParaRPr lang="en-US"/>
           </a:p>
@@ -2132,7 +2132,7 @@
           <a:p>
             <a:fld id="{E22ED4DA-448D-4BB1-B935-CC112220207B}" type="datetime1">
               <a:rPr lang="en-US" smtClean="0"/>
-              <a:t>11/9/2015</a:t>
+              <a:t>11/15/2015</a:t>
             </a:fld>
             <a:endParaRPr lang="en-US"/>
           </a:p>
@@ -2314,7 +2314,7 @@
           <a:p>
             <a:fld id="{E22ED4DA-448D-4BB1-B935-CC112220207B}" type="datetime1">
               <a:rPr lang="en-US" smtClean="0"/>
-              <a:t>11/9/2015</a:t>
+              <a:t>11/15/2015</a:t>
             </a:fld>
             <a:endParaRPr lang="en-US"/>
           </a:p>
@@ -2583,7 +2583,7 @@
           <a:p>
             <a:fld id="{FF5D65A6-AB94-4435-B0B7-3743215FA46C}" type="datetime1">
               <a:rPr lang="en-US" smtClean="0"/>
-              <a:t>11/9/2015</a:t>
+              <a:t>11/15/2015</a:t>
             </a:fld>
             <a:endParaRPr lang="en-US"/>
           </a:p>
@@ -2886,7 +2886,7 @@
           <a:p>
             <a:fld id="{5D1846AD-9252-4647-9435-4C2AC365653A}" type="datetime1">
               <a:rPr lang="en-US" smtClean="0"/>
-              <a:t>11/9/2015</a:t>
+              <a:t>11/15/2015</a:t>
             </a:fld>
             <a:endParaRPr lang="en-US"/>
           </a:p>
@@ -3064,7 +3064,7 @@
           <a:p>
             <a:fld id="{FF5D65A6-AB94-4435-B0B7-3743215FA46C}" type="datetime1">
               <a:rPr lang="en-US" smtClean="0"/>
-              <a:t>11/9/2015</a:t>
+              <a:t>11/15/2015</a:t>
             </a:fld>
             <a:endParaRPr lang="en-US"/>
           </a:p>
@@ -3366,7 +3366,7 @@
           <a:p>
             <a:fld id="{7C193DC4-6EF0-48C9-B29C-616106A645E1}" type="datetime1">
               <a:rPr lang="en-US" smtClean="0"/>
-              <a:t>11/9/2015</a:t>
+              <a:t>11/15/2015</a:t>
             </a:fld>
             <a:endParaRPr lang="en-US"/>
           </a:p>
@@ -3654,7 +3654,7 @@
           <a:p>
             <a:fld id="{5D1846AD-9252-4647-9435-4C2AC365653A}" type="datetime1">
               <a:rPr lang="en-US" smtClean="0"/>
-              <a:t>11/9/2015</a:t>
+              <a:t>11/15/2015</a:t>
             </a:fld>
             <a:endParaRPr lang="en-US"/>
           </a:p>
@@ -4076,7 +4076,7 @@
           <a:p>
             <a:fld id="{CE56DC10-3561-4063-A6AF-C1CC7A41040A}" type="datetime1">
               <a:rPr lang="en-US" smtClean="0"/>
-              <a:t>11/9/2015</a:t>
+              <a:t>11/15/2015</a:t>
             </a:fld>
             <a:endParaRPr lang="en-US"/>
           </a:p>
@@ -4301,7 +4301,7 @@
           <a:p>
             <a:fld id="{02B3F677-983B-48DB-ADFD-63FE6CBC7FB2}" type="datetime1">
               <a:rPr lang="en-US" smtClean="0"/>
-              <a:t>11/9/2015</a:t>
+              <a:t>11/15/2015</a:t>
             </a:fld>
             <a:endParaRPr lang="en-US"/>
           </a:p>
@@ -5149,35 +5149,74 @@
           <a:p>
             <a:r>
               <a:rPr lang="en-US" dirty="0"/>
-              <a:t>    ;; the Ball Factory has no other behavior</a:t>
-            </a:r>
-          </a:p>
-          <a:p>
+              <a:t>    ;; the Ball Factory has no other </a:t>
+            </a:r>
+            <a:r>
+              <a:rPr lang="en-US" dirty="0" smtClean="0"/>
+              <a:t>behavior. Return nonsense values for Void,</a:t>
+            </a:r>
+          </a:p>
+          <a:p>
+            <a:r>
+              <a:rPr lang="en-US" dirty="0"/>
+              <a:t> </a:t>
+            </a:r>
+            <a:r>
+              <a:rPr lang="en-US" dirty="0" smtClean="0"/>
+              <a:t>   ;; to aid </a:t>
+            </a:r>
+            <a:r>
+              <a:rPr lang="en-US" smtClean="0"/>
+              <a:t>in debugging.</a:t>
+            </a:r>
             <a:endParaRPr lang="en-US" dirty="0"/>
           </a:p>
           <a:p>
-            <a:r>
-              <a:rPr lang="en-US" dirty="0"/>
-              <a:t>    (define/public (after-tick) this)</a:t>
-            </a:r>
-          </a:p>
-          <a:p>
-            <a:r>
-              <a:rPr lang="en-US" dirty="0"/>
-              <a:t>    (define/public (after-button-down mx my) this)</a:t>
-            </a:r>
-          </a:p>
-          <a:p>
-            <a:r>
-              <a:rPr lang="en-US" dirty="0"/>
-              <a:t>    (define/public (after-button-up mx my) this)</a:t>
-            </a:r>
-          </a:p>
-          <a:p>
-            <a:r>
-              <a:rPr lang="en-US" dirty="0"/>
-              <a:t>    (define/public (after-drag mx my) this)</a:t>
-            </a:r>
+            <a:endParaRPr lang="en-US" dirty="0"/>
+          </a:p>
+          <a:p>
+            <a:r>
+              <a:rPr lang="en-US" dirty="0"/>
+              <a:t>    (define/public (after-tick) </a:t>
+            </a:r>
+            <a:r>
+              <a:rPr lang="en-US" dirty="0" smtClean="0"/>
+              <a:t>15)</a:t>
+            </a:r>
+            <a:endParaRPr lang="en-US" dirty="0"/>
+          </a:p>
+          <a:p>
+            <a:r>
+              <a:rPr lang="en-US" dirty="0"/>
+              <a:t>    (define/public (after-button-down mx my) </a:t>
+            </a:r>
+            <a:r>
+              <a:rPr lang="en-US" dirty="0" smtClean="0"/>
+              <a:t>16)</a:t>
+            </a:r>
+            <a:endParaRPr lang="en-US" dirty="0"/>
+          </a:p>
+          <a:p>
+            <a:r>
+              <a:rPr lang="en-US" dirty="0"/>
+              <a:t>    (define/public (after-button-up mx my) </a:t>
+            </a:r>
+            <a:r>
+              <a:rPr lang="en-US" dirty="0" smtClean="0"/>
+              <a:t>17)</a:t>
+            </a:r>
+            <a:endParaRPr lang="en-US" dirty="0"/>
+          </a:p>
+          <a:p>
+            <a:r>
+              <a:rPr lang="en-US" dirty="0"/>
+              <a:t>    (define/public (after-drag mx my) </a:t>
+            </a:r>
+            <a:r>
+              <a:rPr lang="en-US" dirty="0" smtClean="0"/>
+              <a:t>18)</a:t>
+            </a:r>
+            <a:endParaRPr lang="en-US" dirty="0"/>
           </a:p>
           <a:p>
             <a:r>
@@ -5230,7 +5269,7 @@
         </p:nvSpPr>
         <p:spPr>
           <a:xfrm>
-            <a:off x="5257800" y="3726657"/>
+            <a:off x="5638800" y="2286000"/>
             <a:ext cx="3048000" cy="1676400"/>
           </a:xfrm>
           <a:prstGeom prst="rect">
@@ -5274,15 +5313,7 @@
                   <a:schemeClr val="tx1"/>
                 </a:solidFill>
               </a:rPr>
-              <a:t>The factory receives key events from the world</a:t>
-            </a:r>
-            <a:r>
-              <a:rPr lang="en-US" dirty="0" smtClean="0">
-                <a:solidFill>
-                  <a:schemeClr val="tx1"/>
-                </a:solidFill>
-              </a:rPr>
-              <a:t>.  On each "b", it creates a new ball, and then passes it to the world as an argument to </a:t>
+              <a:t>The factory receives key events from the world.  On each "b", it creates a new ball, and then passes it to the world as an argument to </a:t>
             </a:r>
             <a:r>
               <a:rPr lang="en-US" b="1" dirty="0" smtClean="0">
@@ -5298,15 +5329,7 @@
                   <a:schemeClr val="tx1"/>
                 </a:solidFill>
               </a:rPr>
-              <a:t>.</a:t>
-            </a:r>
-            <a:r>
-              <a:rPr lang="en-US" dirty="0" smtClean="0">
-                <a:solidFill>
-                  <a:schemeClr val="tx1"/>
-                </a:solidFill>
-              </a:rPr>
-              <a:t> </a:t>
+              <a:t>. </a:t>
             </a:r>
             <a:endParaRPr lang="en-US" dirty="0">
               <a:solidFill>
@@ -6153,15 +6176,7 @@
           <a:p>
             <a:r>
               <a:rPr lang="en-US" dirty="0" smtClean="0"/>
-              <a:t>Study </a:t>
-            </a:r>
-            <a:r>
-              <a:rPr lang="en-US" dirty="0" smtClean="0"/>
-              <a:t>10-4-ball-factory.rkt in </a:t>
-            </a:r>
-            <a:r>
-              <a:rPr lang="en-US" dirty="0" smtClean="0"/>
-              <a:t>the Examples folder.</a:t>
+              <a:t>Study 10-4-ball-factory.rkt in the Examples folder.</a:t>
             </a:r>
           </a:p>
           <a:p>

--- a/Slides/Lesson 10.5 Generalizing this Design.pptx
+++ b/Slides/Lesson 10.5 Generalizing this Design.pptx
@@ -225,7 +225,7 @@
           <a:p>
             <a:fld id="{B7676462-FC52-45C7-85E1-16BDE2BE239E}" type="datetimeFigureOut">
               <a:rPr lang="en-US" smtClean="0"/>
-              <a:t>11/15/2015</a:t>
+              <a:t>11/6/2016</a:t>
             </a:fld>
             <a:endParaRPr lang="en-US"/>
           </a:p>
@@ -289,38 +289,37 @@
           <a:p>
             <a:pPr lvl="0"/>
             <a:r>
-              <a:rPr lang="en-US" smtClean="0"/>
+              <a:rPr lang="en-US"/>
               <a:t>Click to edit Master text styles</a:t>
             </a:r>
           </a:p>
           <a:p>
             <a:pPr lvl="1"/>
             <a:r>
-              <a:rPr lang="en-US" smtClean="0"/>
+              <a:rPr lang="en-US"/>
               <a:t>Second level</a:t>
             </a:r>
           </a:p>
           <a:p>
             <a:pPr lvl="2"/>
             <a:r>
-              <a:rPr lang="en-US" smtClean="0"/>
+              <a:rPr lang="en-US"/>
               <a:t>Third level</a:t>
             </a:r>
           </a:p>
           <a:p>
             <a:pPr lvl="3"/>
             <a:r>
-              <a:rPr lang="en-US" smtClean="0"/>
+              <a:rPr lang="en-US"/>
               <a:t>Fourth level</a:t>
             </a:r>
           </a:p>
           <a:p>
             <a:pPr lvl="4"/>
             <a:r>
-              <a:rPr lang="en-US" smtClean="0"/>
+              <a:rPr lang="en-US"/>
               <a:t>Fifth level</a:t>
             </a:r>
-            <a:endParaRPr lang="en-US"/>
           </a:p>
         </p:txBody>
       </p:sp>
@@ -699,10 +698,9 @@
           <a:lstStyle/>
           <a:p>
             <a:r>
-              <a:rPr lang="en-US" smtClean="0"/>
+              <a:rPr lang="en-US"/>
               <a:t>Click to edit Master title style</a:t>
             </a:r>
-            <a:endParaRPr lang="en-US"/>
           </a:p>
         </p:txBody>
       </p:sp>
@@ -818,10 +816,9 @@
           </a:lstStyle>
           <a:p>
             <a:r>
-              <a:rPr lang="en-US" smtClean="0"/>
+              <a:rPr lang="en-US"/>
               <a:t>Click to edit Master subtitle style</a:t>
             </a:r>
-            <a:endParaRPr lang="en-US"/>
           </a:p>
         </p:txBody>
       </p:sp>
@@ -842,7 +839,7 @@
           <a:p>
             <a:fld id="{2F1F79F5-7BEC-496A-AFC7-876E38F64D71}" type="datetime1">
               <a:rPr lang="en-US" smtClean="0"/>
-              <a:t>11/15/2015</a:t>
+              <a:t>11/6/2016</a:t>
             </a:fld>
             <a:endParaRPr lang="en-US"/>
           </a:p>
@@ -900,13 +897,6 @@
   <p:clrMapOvr>
     <a:masterClrMapping/>
   </p:clrMapOvr>
-  <p:timing>
-    <p:tnLst>
-      <p:par>
-        <p:cTn id="1" dur="indefinite" restart="never" nodeType="tmRoot"/>
-      </p:par>
-    </p:tnLst>
-  </p:timing>
 </p:sldLayout>
 </file>
 
@@ -943,10 +933,9 @@
           <a:lstStyle/>
           <a:p>
             <a:r>
-              <a:rPr lang="en-US" smtClean="0"/>
+              <a:rPr lang="en-US"/>
               <a:t>Click to edit Master title style</a:t>
             </a:r>
-            <a:endParaRPr lang="en-US"/>
           </a:p>
         </p:txBody>
       </p:sp>
@@ -967,7 +956,7 @@
           <a:p>
             <a:fld id="{2F7B77F5-1464-4F6B-92A8-64FC8A508293}" type="datetime1">
               <a:rPr lang="en-US" smtClean="0"/>
-              <a:t>11/15/2015</a:t>
+              <a:t>11/6/2016</a:t>
             </a:fld>
             <a:endParaRPr lang="en-US"/>
           </a:p>
@@ -1025,13 +1014,6 @@
   <p:clrMapOvr>
     <a:masterClrMapping/>
   </p:clrMapOvr>
-  <p:timing>
-    <p:tnLst>
-      <p:par>
-        <p:cTn id="1" dur="indefinite" restart="never" nodeType="tmRoot"/>
-      </p:par>
-    </p:tnLst>
-  </p:timing>
 </p:sldLayout>
 </file>
 
@@ -1069,7 +1051,7 @@
           <a:p>
             <a:fld id="{0A05703A-7669-4FEA-9056-25299B4D29D4}" type="datetime1">
               <a:rPr lang="en-US" smtClean="0"/>
-              <a:t>11/15/2015</a:t>
+              <a:t>11/6/2016</a:t>
             </a:fld>
             <a:endParaRPr lang="en-US"/>
           </a:p>
@@ -1172,10 +1154,9 @@
           </a:lstStyle>
           <a:p>
             <a:r>
-              <a:rPr lang="en-US" smtClean="0"/>
+              <a:rPr lang="en-US"/>
               <a:t>Click to edit Master title style</a:t>
             </a:r>
-            <a:endParaRPr lang="en-US"/>
           </a:p>
         </p:txBody>
       </p:sp>
@@ -1229,38 +1210,37 @@
           <a:p>
             <a:pPr lvl="0"/>
             <a:r>
-              <a:rPr lang="en-US" smtClean="0"/>
+              <a:rPr lang="en-US"/>
               <a:t>Click to edit Master text styles</a:t>
             </a:r>
           </a:p>
           <a:p>
             <a:pPr lvl="1"/>
             <a:r>
-              <a:rPr lang="en-US" smtClean="0"/>
+              <a:rPr lang="en-US"/>
               <a:t>Second level</a:t>
             </a:r>
           </a:p>
           <a:p>
             <a:pPr lvl="2"/>
             <a:r>
-              <a:rPr lang="en-US" smtClean="0"/>
+              <a:rPr lang="en-US"/>
               <a:t>Third level</a:t>
             </a:r>
           </a:p>
           <a:p>
             <a:pPr lvl="3"/>
             <a:r>
-              <a:rPr lang="en-US" smtClean="0"/>
+              <a:rPr lang="en-US"/>
               <a:t>Fourth level</a:t>
             </a:r>
           </a:p>
           <a:p>
             <a:pPr lvl="4"/>
             <a:r>
-              <a:rPr lang="en-US" smtClean="0"/>
+              <a:rPr lang="en-US"/>
               <a:t>Fifth level</a:t>
             </a:r>
-            <a:endParaRPr lang="en-US"/>
           </a:p>
         </p:txBody>
       </p:sp>
@@ -1323,7 +1303,7 @@
           <a:p>
             <a:pPr lvl="0"/>
             <a:r>
-              <a:rPr lang="en-US" smtClean="0"/>
+              <a:rPr lang="en-US"/>
               <a:t>Click to edit Master text styles</a:t>
             </a:r>
           </a:p>
@@ -1346,7 +1326,7 @@
           <a:p>
             <a:fld id="{6E5077B5-BB57-49DB-88CA-226A139E5C01}" type="datetime1">
               <a:rPr lang="en-US" smtClean="0"/>
-              <a:t>11/15/2015</a:t>
+              <a:t>11/6/2016</a:t>
             </a:fld>
             <a:endParaRPr lang="en-US"/>
           </a:p>
@@ -1449,10 +1429,9 @@
           </a:lstStyle>
           <a:p>
             <a:r>
-              <a:rPr lang="en-US" smtClean="0"/>
+              <a:rPr lang="en-US"/>
               <a:t>Click to edit Master title style</a:t>
             </a:r>
-            <a:endParaRPr lang="en-US"/>
           </a:p>
         </p:txBody>
       </p:sp>
@@ -1576,7 +1555,7 @@
           <a:p>
             <a:pPr lvl="0"/>
             <a:r>
-              <a:rPr lang="en-US" smtClean="0"/>
+              <a:rPr lang="en-US"/>
               <a:t>Click to edit Master text styles</a:t>
             </a:r>
           </a:p>
@@ -1599,7 +1578,7 @@
           <a:p>
             <a:fld id="{C48D9447-CBD6-49A1-89FD-8512A8CF8999}" type="datetime1">
               <a:rPr lang="en-US" smtClean="0"/>
-              <a:t>11/15/2015</a:t>
+              <a:t>11/6/2016</a:t>
             </a:fld>
             <a:endParaRPr lang="en-US"/>
           </a:p>
@@ -1693,10 +1672,9 @@
           <a:lstStyle/>
           <a:p>
             <a:r>
-              <a:rPr lang="en-US" smtClean="0"/>
+              <a:rPr lang="en-US"/>
               <a:t>Click to edit Master title style</a:t>
             </a:r>
-            <a:endParaRPr lang="en-US"/>
           </a:p>
         </p:txBody>
       </p:sp>
@@ -1717,38 +1695,37 @@
           <a:p>
             <a:pPr lvl="0"/>
             <a:r>
-              <a:rPr lang="en-US" smtClean="0"/>
+              <a:rPr lang="en-US"/>
               <a:t>Click to edit Master text styles</a:t>
             </a:r>
           </a:p>
           <a:p>
             <a:pPr lvl="1"/>
             <a:r>
-              <a:rPr lang="en-US" smtClean="0"/>
+              <a:rPr lang="en-US"/>
               <a:t>Second level</a:t>
             </a:r>
           </a:p>
           <a:p>
             <a:pPr lvl="2"/>
             <a:r>
-              <a:rPr lang="en-US" smtClean="0"/>
+              <a:rPr lang="en-US"/>
               <a:t>Third level</a:t>
             </a:r>
           </a:p>
           <a:p>
             <a:pPr lvl="3"/>
             <a:r>
-              <a:rPr lang="en-US" smtClean="0"/>
+              <a:rPr lang="en-US"/>
               <a:t>Fourth level</a:t>
             </a:r>
           </a:p>
           <a:p>
             <a:pPr lvl="4"/>
             <a:r>
-              <a:rPr lang="en-US" smtClean="0"/>
+              <a:rPr lang="en-US"/>
               <a:t>Fifth level</a:t>
             </a:r>
-            <a:endParaRPr lang="en-US"/>
           </a:p>
         </p:txBody>
       </p:sp>
@@ -1769,7 +1746,7 @@
           <a:p>
             <a:fld id="{A3639A2A-823D-48B7-9ACE-7FAF42870BA9}" type="datetime1">
               <a:rPr lang="en-US" smtClean="0"/>
-              <a:t>11/15/2015</a:t>
+              <a:t>11/6/2016</a:t>
             </a:fld>
             <a:endParaRPr lang="en-US"/>
           </a:p>
@@ -1868,10 +1845,9 @@
           <a:lstStyle/>
           <a:p>
             <a:r>
-              <a:rPr lang="en-US" smtClean="0"/>
+              <a:rPr lang="en-US"/>
               <a:t>Click to edit Master title style</a:t>
             </a:r>
-            <a:endParaRPr lang="en-US"/>
           </a:p>
         </p:txBody>
       </p:sp>
@@ -1897,38 +1873,37 @@
           <a:p>
             <a:pPr lvl="0"/>
             <a:r>
-              <a:rPr lang="en-US" smtClean="0"/>
+              <a:rPr lang="en-US"/>
               <a:t>Click to edit Master text styles</a:t>
             </a:r>
           </a:p>
           <a:p>
             <a:pPr lvl="1"/>
             <a:r>
-              <a:rPr lang="en-US" smtClean="0"/>
+              <a:rPr lang="en-US"/>
               <a:t>Second level</a:t>
             </a:r>
           </a:p>
           <a:p>
             <a:pPr lvl="2"/>
             <a:r>
-              <a:rPr lang="en-US" smtClean="0"/>
+              <a:rPr lang="en-US"/>
               <a:t>Third level</a:t>
             </a:r>
           </a:p>
           <a:p>
             <a:pPr lvl="3"/>
             <a:r>
-              <a:rPr lang="en-US" smtClean="0"/>
+              <a:rPr lang="en-US"/>
               <a:t>Fourth level</a:t>
             </a:r>
           </a:p>
           <a:p>
             <a:pPr lvl="4"/>
             <a:r>
-              <a:rPr lang="en-US" smtClean="0"/>
+              <a:rPr lang="en-US"/>
               <a:t>Fifth level</a:t>
             </a:r>
-            <a:endParaRPr lang="en-US"/>
           </a:p>
         </p:txBody>
       </p:sp>
@@ -1949,7 +1924,7 @@
           <a:p>
             <a:fld id="{ED1B6996-82E9-463C-972C-7B56056E426C}" type="datetime1">
               <a:rPr lang="en-US" smtClean="0"/>
-              <a:t>11/15/2015</a:t>
+              <a:t>11/6/2016</a:t>
             </a:fld>
             <a:endParaRPr lang="en-US"/>
           </a:p>
@@ -2007,13 +1982,6 @@
   <p:clrMapOvr>
     <a:masterClrMapping/>
   </p:clrMapOvr>
-  <p:timing>
-    <p:tnLst>
-      <p:par>
-        <p:cTn id="1" dur="indefinite" restart="never" nodeType="tmRoot"/>
-      </p:par>
-    </p:tnLst>
-  </p:timing>
 </p:sldLayout>
 </file>
 
@@ -2056,10 +2024,9 @@
           <a:lstStyle/>
           <a:p>
             <a:r>
-              <a:rPr lang="en-US" dirty="0" smtClean="0"/>
+              <a:rPr lang="en-US" dirty="0"/>
               <a:t>Click to edit Master title style</a:t>
             </a:r>
-            <a:endParaRPr lang="en-US" dirty="0"/>
           </a:p>
         </p:txBody>
       </p:sp>
@@ -2080,38 +2047,37 @@
           <a:p>
             <a:pPr lvl="0"/>
             <a:r>
-              <a:rPr lang="en-US" smtClean="0"/>
+              <a:rPr lang="en-US"/>
               <a:t>Click to edit Master text styles</a:t>
             </a:r>
           </a:p>
           <a:p>
             <a:pPr lvl="1"/>
             <a:r>
-              <a:rPr lang="en-US" smtClean="0"/>
+              <a:rPr lang="en-US"/>
               <a:t>Second level</a:t>
             </a:r>
           </a:p>
           <a:p>
             <a:pPr lvl="2"/>
             <a:r>
-              <a:rPr lang="en-US" smtClean="0"/>
+              <a:rPr lang="en-US"/>
               <a:t>Third level</a:t>
             </a:r>
           </a:p>
           <a:p>
             <a:pPr lvl="3"/>
             <a:r>
-              <a:rPr lang="en-US" smtClean="0"/>
+              <a:rPr lang="en-US"/>
               <a:t>Fourth level</a:t>
             </a:r>
           </a:p>
           <a:p>
             <a:pPr lvl="4"/>
             <a:r>
-              <a:rPr lang="en-US" smtClean="0"/>
+              <a:rPr lang="en-US"/>
               <a:t>Fifth level</a:t>
             </a:r>
-            <a:endParaRPr lang="en-US"/>
           </a:p>
         </p:txBody>
       </p:sp>
@@ -2132,7 +2098,7 @@
           <a:p>
             <a:fld id="{E22ED4DA-448D-4BB1-B935-CC112220207B}" type="datetime1">
               <a:rPr lang="en-US" smtClean="0"/>
-              <a:t>11/15/2015</a:t>
+              <a:t>11/6/2016</a:t>
             </a:fld>
             <a:endParaRPr lang="en-US"/>
           </a:p>
@@ -2190,13 +2156,6 @@
   <p:clrMapOvr>
     <a:masterClrMapping/>
   </p:clrMapOvr>
-  <p:timing>
-    <p:tnLst>
-      <p:par>
-        <p:cTn id="1" dur="indefinite" restart="never" nodeType="tmRoot"/>
-      </p:par>
-    </p:tnLst>
-  </p:timing>
 </p:sldLayout>
 </file>
 
@@ -2233,10 +2192,9 @@
           <a:lstStyle/>
           <a:p>
             <a:r>
-              <a:rPr lang="en-US" smtClean="0"/>
+              <a:rPr lang="en-US"/>
               <a:t>Click to edit Master title style</a:t>
             </a:r>
-            <a:endParaRPr lang="en-US"/>
           </a:p>
         </p:txBody>
       </p:sp>
@@ -2262,38 +2220,37 @@
           <a:p>
             <a:pPr lvl="0"/>
             <a:r>
-              <a:rPr lang="en-US" dirty="0" smtClean="0"/>
+              <a:rPr lang="en-US" dirty="0"/>
               <a:t>Click to edit Master text styles</a:t>
             </a:r>
           </a:p>
           <a:p>
             <a:pPr lvl="1"/>
             <a:r>
-              <a:rPr lang="en-US" dirty="0" smtClean="0"/>
+              <a:rPr lang="en-US" dirty="0"/>
               <a:t>Second level</a:t>
             </a:r>
           </a:p>
           <a:p>
             <a:pPr lvl="2"/>
             <a:r>
-              <a:rPr lang="en-US" dirty="0" smtClean="0"/>
+              <a:rPr lang="en-US" dirty="0"/>
               <a:t>Third level</a:t>
             </a:r>
           </a:p>
           <a:p>
             <a:pPr lvl="3"/>
             <a:r>
-              <a:rPr lang="en-US" dirty="0" smtClean="0"/>
+              <a:rPr lang="en-US" dirty="0"/>
               <a:t>Fourth level</a:t>
             </a:r>
           </a:p>
           <a:p>
             <a:pPr lvl="4"/>
             <a:r>
-              <a:rPr lang="en-US" dirty="0" smtClean="0"/>
+              <a:rPr lang="en-US" dirty="0"/>
               <a:t>Fifth level</a:t>
             </a:r>
-            <a:endParaRPr lang="en-US" dirty="0"/>
           </a:p>
         </p:txBody>
       </p:sp>
@@ -2314,7 +2271,7 @@
           <a:p>
             <a:fld id="{E22ED4DA-448D-4BB1-B935-CC112220207B}" type="datetime1">
               <a:rPr lang="en-US" smtClean="0"/>
-              <a:t>11/15/2015</a:t>
+              <a:t>11/6/2016</a:t>
             </a:fld>
             <a:endParaRPr lang="en-US"/>
           </a:p>
@@ -2404,7 +2361,7 @@
           <a:lstStyle/>
           <a:p>
             <a:pPr algn="ctr"/>
-            <a:endParaRPr lang="en-US" dirty="0" smtClean="0">
+            <a:endParaRPr lang="en-US" dirty="0">
               <a:solidFill>
                 <a:schemeClr val="tx1"/>
               </a:solidFill>
@@ -2435,11 +2392,11 @@
           <a:lstStyle/>
           <a:p>
             <a:r>
-              <a:rPr lang="en-US" dirty="0" smtClean="0"/>
+              <a:rPr lang="en-US" dirty="0"/>
               <a:t>Resize video to this</a:t>
             </a:r>
             <a:r>
-              <a:rPr lang="en-US" baseline="0" dirty="0" smtClean="0"/>
+              <a:rPr lang="en-US" baseline="0" dirty="0"/>
               <a:t> box.</a:t>
             </a:r>
             <a:endParaRPr lang="en-US" dirty="0"/>
@@ -2456,13 +2413,6 @@
   <p:clrMapOvr>
     <a:masterClrMapping/>
   </p:clrMapOvr>
-  <p:timing>
-    <p:tnLst>
-      <p:par>
-        <p:cTn id="1" dur="indefinite" restart="never" nodeType="tmRoot"/>
-      </p:par>
-    </p:tnLst>
-  </p:timing>
 </p:sldLayout>
 </file>
 
@@ -2499,10 +2449,9 @@
           <a:lstStyle/>
           <a:p>
             <a:r>
-              <a:rPr lang="en-US" smtClean="0"/>
+              <a:rPr lang="en-US"/>
               <a:t>Click to edit Master title style</a:t>
             </a:r>
-            <a:endParaRPr lang="en-US"/>
           </a:p>
         </p:txBody>
       </p:sp>
@@ -2531,38 +2480,37 @@
           <a:p>
             <a:pPr lvl="0"/>
             <a:r>
-              <a:rPr lang="en-US" dirty="0" smtClean="0"/>
+              <a:rPr lang="en-US" dirty="0"/>
               <a:t>Click to edit Master text styles</a:t>
             </a:r>
           </a:p>
           <a:p>
             <a:pPr lvl="1"/>
             <a:r>
-              <a:rPr lang="en-US" dirty="0" smtClean="0"/>
+              <a:rPr lang="en-US" dirty="0"/>
               <a:t>Second level</a:t>
             </a:r>
           </a:p>
           <a:p>
             <a:pPr lvl="2"/>
             <a:r>
-              <a:rPr lang="en-US" dirty="0" smtClean="0"/>
+              <a:rPr lang="en-US" dirty="0"/>
               <a:t>Third level</a:t>
             </a:r>
           </a:p>
           <a:p>
             <a:pPr lvl="3"/>
             <a:r>
-              <a:rPr lang="en-US" dirty="0" smtClean="0"/>
+              <a:rPr lang="en-US" dirty="0"/>
               <a:t>Fourth level</a:t>
             </a:r>
           </a:p>
           <a:p>
             <a:pPr lvl="4"/>
             <a:r>
-              <a:rPr lang="en-US" dirty="0" smtClean="0"/>
+              <a:rPr lang="en-US" dirty="0"/>
               <a:t>Fifth level</a:t>
             </a:r>
-            <a:endParaRPr lang="en-US" dirty="0"/>
           </a:p>
         </p:txBody>
       </p:sp>
@@ -2583,7 +2531,7 @@
           <a:p>
             <a:fld id="{FF5D65A6-AB94-4435-B0B7-3743215FA46C}" type="datetime1">
               <a:rPr lang="en-US" smtClean="0"/>
-              <a:t>11/15/2015</a:t>
+              <a:t>11/6/2016</a:t>
             </a:fld>
             <a:endParaRPr lang="en-US"/>
           </a:p>
@@ -2641,13 +2589,6 @@
   <p:clrMapOvr>
     <a:masterClrMapping/>
   </p:clrMapOvr>
-  <p:timing>
-    <p:tnLst>
-      <p:par>
-        <p:cTn id="1" dur="indefinite" restart="never" nodeType="tmRoot"/>
-      </p:par>
-    </p:tnLst>
-  </p:timing>
 </p:sldLayout>
 </file>
 
@@ -2684,10 +2625,9 @@
           <a:lstStyle/>
           <a:p>
             <a:r>
-              <a:rPr lang="en-US" smtClean="0"/>
+              <a:rPr lang="en-US"/>
               <a:t>Click to edit Master title style</a:t>
             </a:r>
-            <a:endParaRPr lang="en-US"/>
           </a:p>
         </p:txBody>
       </p:sp>
@@ -2745,38 +2685,37 @@
           <a:p>
             <a:pPr lvl="0"/>
             <a:r>
-              <a:rPr lang="en-US" dirty="0" smtClean="0"/>
+              <a:rPr lang="en-US" dirty="0"/>
               <a:t>Click to edit Master text styles</a:t>
             </a:r>
           </a:p>
           <a:p>
             <a:pPr lvl="1"/>
             <a:r>
-              <a:rPr lang="en-US" dirty="0" smtClean="0"/>
+              <a:rPr lang="en-US" dirty="0"/>
               <a:t>Second level</a:t>
             </a:r>
           </a:p>
           <a:p>
             <a:pPr lvl="2"/>
             <a:r>
-              <a:rPr lang="en-US" dirty="0" smtClean="0"/>
+              <a:rPr lang="en-US" dirty="0"/>
               <a:t>Third level</a:t>
             </a:r>
           </a:p>
           <a:p>
             <a:pPr lvl="3"/>
             <a:r>
-              <a:rPr lang="en-US" dirty="0" smtClean="0"/>
+              <a:rPr lang="en-US" dirty="0"/>
               <a:t>Fourth level</a:t>
             </a:r>
           </a:p>
           <a:p>
             <a:pPr lvl="4"/>
             <a:r>
-              <a:rPr lang="en-US" dirty="0" smtClean="0"/>
+              <a:rPr lang="en-US" dirty="0"/>
               <a:t>Fifth level</a:t>
             </a:r>
-            <a:endParaRPr lang="en-US" dirty="0"/>
           </a:p>
         </p:txBody>
       </p:sp>
@@ -2834,38 +2773,37 @@
           <a:p>
             <a:pPr lvl="0"/>
             <a:r>
-              <a:rPr lang="en-US" dirty="0" smtClean="0"/>
+              <a:rPr lang="en-US" dirty="0"/>
               <a:t>Click to edit Master text styles</a:t>
             </a:r>
           </a:p>
           <a:p>
             <a:pPr lvl="1"/>
             <a:r>
-              <a:rPr lang="en-US" dirty="0" smtClean="0"/>
+              <a:rPr lang="en-US" dirty="0"/>
               <a:t>Second level</a:t>
             </a:r>
           </a:p>
           <a:p>
             <a:pPr lvl="2"/>
             <a:r>
-              <a:rPr lang="en-US" dirty="0" smtClean="0"/>
+              <a:rPr lang="en-US" dirty="0"/>
               <a:t>Third level</a:t>
             </a:r>
           </a:p>
           <a:p>
             <a:pPr lvl="3"/>
             <a:r>
-              <a:rPr lang="en-US" dirty="0" smtClean="0"/>
+              <a:rPr lang="en-US" dirty="0"/>
               <a:t>Fourth level</a:t>
             </a:r>
           </a:p>
           <a:p>
             <a:pPr lvl="4"/>
             <a:r>
-              <a:rPr lang="en-US" dirty="0" smtClean="0"/>
+              <a:rPr lang="en-US" dirty="0"/>
               <a:t>Fifth level</a:t>
             </a:r>
-            <a:endParaRPr lang="en-US" dirty="0"/>
           </a:p>
         </p:txBody>
       </p:sp>
@@ -2886,7 +2824,7 @@
           <a:p>
             <a:fld id="{5D1846AD-9252-4647-9435-4C2AC365653A}" type="datetime1">
               <a:rPr lang="en-US" smtClean="0"/>
-              <a:t>11/15/2015</a:t>
+              <a:t>11/6/2016</a:t>
             </a:fld>
             <a:endParaRPr lang="en-US"/>
           </a:p>
@@ -2980,10 +2918,9 @@
           <a:lstStyle/>
           <a:p>
             <a:r>
-              <a:rPr lang="en-US" smtClean="0"/>
+              <a:rPr lang="en-US"/>
               <a:t>Click to edit Master title style</a:t>
             </a:r>
-            <a:endParaRPr lang="en-US"/>
           </a:p>
         </p:txBody>
       </p:sp>
@@ -3012,38 +2949,37 @@
           <a:p>
             <a:pPr lvl="0"/>
             <a:r>
-              <a:rPr lang="en-US" dirty="0" smtClean="0"/>
+              <a:rPr lang="en-US" dirty="0"/>
               <a:t>Click to edit Master text styles</a:t>
             </a:r>
           </a:p>
           <a:p>
             <a:pPr lvl="1"/>
             <a:r>
-              <a:rPr lang="en-US" dirty="0" smtClean="0"/>
+              <a:rPr lang="en-US" dirty="0"/>
               <a:t>Second level</a:t>
             </a:r>
           </a:p>
           <a:p>
             <a:pPr lvl="2"/>
             <a:r>
-              <a:rPr lang="en-US" dirty="0" smtClean="0"/>
+              <a:rPr lang="en-US" dirty="0"/>
               <a:t>Third level</a:t>
             </a:r>
           </a:p>
           <a:p>
             <a:pPr lvl="3"/>
             <a:r>
-              <a:rPr lang="en-US" dirty="0" smtClean="0"/>
+              <a:rPr lang="en-US" dirty="0"/>
               <a:t>Fourth level</a:t>
             </a:r>
           </a:p>
           <a:p>
             <a:pPr lvl="4"/>
             <a:r>
-              <a:rPr lang="en-US" dirty="0" smtClean="0"/>
+              <a:rPr lang="en-US" dirty="0"/>
               <a:t>Fifth level</a:t>
             </a:r>
-            <a:endParaRPr lang="en-US" dirty="0"/>
           </a:p>
         </p:txBody>
       </p:sp>
@@ -3064,7 +3000,7 @@
           <a:p>
             <a:fld id="{FF5D65A6-AB94-4435-B0B7-3743215FA46C}" type="datetime1">
               <a:rPr lang="en-US" smtClean="0"/>
-              <a:t>11/15/2015</a:t>
+              <a:t>11/6/2016</a:t>
             </a:fld>
             <a:endParaRPr lang="en-US"/>
           </a:p>
@@ -3171,13 +3107,6 @@
   <p:clrMapOvr>
     <a:masterClrMapping/>
   </p:clrMapOvr>
-  <p:timing>
-    <p:tnLst>
-      <p:par>
-        <p:cTn id="1" dur="indefinite" restart="never" nodeType="tmRoot"/>
-      </p:par>
-    </p:tnLst>
-  </p:timing>
 </p:sldLayout>
 </file>
 
@@ -3223,10 +3152,9 @@
           </a:lstStyle>
           <a:p>
             <a:r>
-              <a:rPr lang="en-US" smtClean="0"/>
+              <a:rPr lang="en-US"/>
               <a:t>Click to edit Master title style</a:t>
             </a:r>
-            <a:endParaRPr lang="en-US"/>
           </a:p>
         </p:txBody>
       </p:sp>
@@ -3343,7 +3271,7 @@
           <a:p>
             <a:pPr lvl="0"/>
             <a:r>
-              <a:rPr lang="en-US" smtClean="0"/>
+              <a:rPr lang="en-US"/>
               <a:t>Click to edit Master text styles</a:t>
             </a:r>
           </a:p>
@@ -3366,7 +3294,7 @@
           <a:p>
             <a:fld id="{7C193DC4-6EF0-48C9-B29C-616106A645E1}" type="datetime1">
               <a:rPr lang="en-US" smtClean="0"/>
-              <a:t>11/15/2015</a:t>
+              <a:t>11/6/2016</a:t>
             </a:fld>
             <a:endParaRPr lang="en-US"/>
           </a:p>
@@ -3460,10 +3388,9 @@
           <a:lstStyle/>
           <a:p>
             <a:r>
-              <a:rPr lang="en-US" smtClean="0"/>
+              <a:rPr lang="en-US"/>
               <a:t>Click to edit Master title style</a:t>
             </a:r>
-            <a:endParaRPr lang="en-US"/>
           </a:p>
         </p:txBody>
       </p:sp>
@@ -3517,38 +3444,37 @@
           <a:p>
             <a:pPr lvl="0"/>
             <a:r>
-              <a:rPr lang="en-US" smtClean="0"/>
+              <a:rPr lang="en-US"/>
               <a:t>Click to edit Master text styles</a:t>
             </a:r>
           </a:p>
           <a:p>
             <a:pPr lvl="1"/>
             <a:r>
-              <a:rPr lang="en-US" smtClean="0"/>
+              <a:rPr lang="en-US"/>
               <a:t>Second level</a:t>
             </a:r>
           </a:p>
           <a:p>
             <a:pPr lvl="2"/>
             <a:r>
-              <a:rPr lang="en-US" smtClean="0"/>
+              <a:rPr lang="en-US"/>
               <a:t>Third level</a:t>
             </a:r>
           </a:p>
           <a:p>
             <a:pPr lvl="3"/>
             <a:r>
-              <a:rPr lang="en-US" smtClean="0"/>
+              <a:rPr lang="en-US"/>
               <a:t>Fourth level</a:t>
             </a:r>
           </a:p>
           <a:p>
             <a:pPr lvl="4"/>
             <a:r>
-              <a:rPr lang="en-US" smtClean="0"/>
+              <a:rPr lang="en-US"/>
               <a:t>Fifth level</a:t>
             </a:r>
-            <a:endParaRPr lang="en-US"/>
           </a:p>
         </p:txBody>
       </p:sp>
@@ -3602,38 +3528,37 @@
           <a:p>
             <a:pPr lvl="0"/>
             <a:r>
-              <a:rPr lang="en-US" smtClean="0"/>
+              <a:rPr lang="en-US"/>
               <a:t>Click to edit Master text styles</a:t>
             </a:r>
           </a:p>
           <a:p>
             <a:pPr lvl="1"/>
             <a:r>
-              <a:rPr lang="en-US" smtClean="0"/>
+              <a:rPr lang="en-US"/>
               <a:t>Second level</a:t>
             </a:r>
           </a:p>
           <a:p>
             <a:pPr lvl="2"/>
             <a:r>
-              <a:rPr lang="en-US" smtClean="0"/>
+              <a:rPr lang="en-US"/>
               <a:t>Third level</a:t>
             </a:r>
           </a:p>
           <a:p>
             <a:pPr lvl="3"/>
             <a:r>
-              <a:rPr lang="en-US" smtClean="0"/>
+              <a:rPr lang="en-US"/>
               <a:t>Fourth level</a:t>
             </a:r>
           </a:p>
           <a:p>
             <a:pPr lvl="4"/>
             <a:r>
-              <a:rPr lang="en-US" smtClean="0"/>
+              <a:rPr lang="en-US"/>
               <a:t>Fifth level</a:t>
             </a:r>
-            <a:endParaRPr lang="en-US"/>
           </a:p>
         </p:txBody>
       </p:sp>
@@ -3654,7 +3579,7 @@
           <a:p>
             <a:fld id="{5D1846AD-9252-4647-9435-4C2AC365653A}" type="datetime1">
               <a:rPr lang="en-US" smtClean="0"/>
-              <a:t>11/15/2015</a:t>
+              <a:t>11/6/2016</a:t>
             </a:fld>
             <a:endParaRPr lang="en-US"/>
           </a:p>
@@ -3752,10 +3677,9 @@
           </a:lstStyle>
           <a:p>
             <a:r>
-              <a:rPr lang="en-US" smtClean="0"/>
+              <a:rPr lang="en-US"/>
               <a:t>Click to edit Master title style</a:t>
             </a:r>
-            <a:endParaRPr lang="en-US"/>
           </a:p>
         </p:txBody>
       </p:sp>
@@ -3818,7 +3742,7 @@
           <a:p>
             <a:pPr lvl="0"/>
             <a:r>
-              <a:rPr lang="en-US" smtClean="0"/>
+              <a:rPr lang="en-US"/>
               <a:t>Click to edit Master text styles</a:t>
             </a:r>
           </a:p>
@@ -3874,38 +3798,37 @@
           <a:p>
             <a:pPr lvl="0"/>
             <a:r>
-              <a:rPr lang="en-US" smtClean="0"/>
+              <a:rPr lang="en-US"/>
               <a:t>Click to edit Master text styles</a:t>
             </a:r>
           </a:p>
           <a:p>
             <a:pPr lvl="1"/>
             <a:r>
-              <a:rPr lang="en-US" smtClean="0"/>
+              <a:rPr lang="en-US"/>
               <a:t>Second level</a:t>
             </a:r>
           </a:p>
           <a:p>
             <a:pPr lvl="2"/>
             <a:r>
-              <a:rPr lang="en-US" smtClean="0"/>
+              <a:rPr lang="en-US"/>
               <a:t>Third level</a:t>
             </a:r>
           </a:p>
           <a:p>
             <a:pPr lvl="3"/>
             <a:r>
-              <a:rPr lang="en-US" smtClean="0"/>
+              <a:rPr lang="en-US"/>
               <a:t>Fourth level</a:t>
             </a:r>
           </a:p>
           <a:p>
             <a:pPr lvl="4"/>
             <a:r>
-              <a:rPr lang="en-US" smtClean="0"/>
+              <a:rPr lang="en-US"/>
               <a:t>Fifth level</a:t>
             </a:r>
-            <a:endParaRPr lang="en-US"/>
           </a:p>
         </p:txBody>
       </p:sp>
@@ -3968,7 +3891,7 @@
           <a:p>
             <a:pPr lvl="0"/>
             <a:r>
-              <a:rPr lang="en-US" smtClean="0"/>
+              <a:rPr lang="en-US"/>
               <a:t>Click to edit Master text styles</a:t>
             </a:r>
           </a:p>
@@ -4024,38 +3947,37 @@
           <a:p>
             <a:pPr lvl="0"/>
             <a:r>
-              <a:rPr lang="en-US" smtClean="0"/>
+              <a:rPr lang="en-US"/>
               <a:t>Click to edit Master text styles</a:t>
             </a:r>
           </a:p>
           <a:p>
             <a:pPr lvl="1"/>
             <a:r>
-              <a:rPr lang="en-US" smtClean="0"/>
+              <a:rPr lang="en-US"/>
               <a:t>Second level</a:t>
             </a:r>
           </a:p>
           <a:p>
             <a:pPr lvl="2"/>
             <a:r>
-              <a:rPr lang="en-US" smtClean="0"/>
+              <a:rPr lang="en-US"/>
               <a:t>Third level</a:t>
             </a:r>
           </a:p>
           <a:p>
             <a:pPr lvl="3"/>
             <a:r>
-              <a:rPr lang="en-US" smtClean="0"/>
+              <a:rPr lang="en-US"/>
               <a:t>Fourth level</a:t>
             </a:r>
           </a:p>
           <a:p>
             <a:pPr lvl="4"/>
             <a:r>
-              <a:rPr lang="en-US" smtClean="0"/>
+              <a:rPr lang="en-US"/>
               <a:t>Fifth level</a:t>
             </a:r>
-            <a:endParaRPr lang="en-US"/>
           </a:p>
         </p:txBody>
       </p:sp>
@@ -4076,7 +3998,7 @@
           <a:p>
             <a:fld id="{CE56DC10-3561-4063-A6AF-C1CC7A41040A}" type="datetime1">
               <a:rPr lang="en-US" smtClean="0"/>
-              <a:t>11/15/2015</a:t>
+              <a:t>11/6/2016</a:t>
             </a:fld>
             <a:endParaRPr lang="en-US"/>
           </a:p>
@@ -4197,10 +4119,9 @@
           <a:lstStyle/>
           <a:p>
             <a:r>
-              <a:rPr lang="en-US" smtClean="0"/>
+              <a:rPr lang="en-US"/>
               <a:t>Click to edit Master title style</a:t>
             </a:r>
-            <a:endParaRPr lang="en-US"/>
           </a:p>
         </p:txBody>
       </p:sp>
@@ -4231,38 +4152,37 @@
           <a:p>
             <a:pPr lvl="0"/>
             <a:r>
-              <a:rPr lang="en-US" smtClean="0"/>
+              <a:rPr lang="en-US"/>
               <a:t>Click to edit Master text styles</a:t>
             </a:r>
           </a:p>
           <a:p>
             <a:pPr lvl="1"/>
             <a:r>
-              <a:rPr lang="en-US" smtClean="0"/>
+              <a:rPr lang="en-US"/>
               <a:t>Second level</a:t>
             </a:r>
           </a:p>
           <a:p>
             <a:pPr lvl="2"/>
             <a:r>
-              <a:rPr lang="en-US" smtClean="0"/>
+              <a:rPr lang="en-US"/>
               <a:t>Third level</a:t>
             </a:r>
           </a:p>
           <a:p>
             <a:pPr lvl="3"/>
             <a:r>
-              <a:rPr lang="en-US" smtClean="0"/>
+              <a:rPr lang="en-US"/>
               <a:t>Fourth level</a:t>
             </a:r>
           </a:p>
           <a:p>
             <a:pPr lvl="4"/>
             <a:r>
-              <a:rPr lang="en-US" smtClean="0"/>
+              <a:rPr lang="en-US"/>
               <a:t>Fifth level</a:t>
             </a:r>
-            <a:endParaRPr lang="en-US"/>
           </a:p>
         </p:txBody>
       </p:sp>
@@ -4301,7 +4221,7 @@
           <a:p>
             <a:fld id="{02B3F677-983B-48DB-ADFD-63FE6CBC7FB2}" type="datetime1">
               <a:rPr lang="en-US" smtClean="0"/>
-              <a:t>11/15/2015</a:t>
+              <a:t>11/6/2016</a:t>
             </a:fld>
             <a:endParaRPr lang="en-US"/>
           </a:p>
@@ -4410,13 +4330,6 @@
     <p:sldLayoutId id="2147483675" r:id="rId14"/>
     <p:sldLayoutId id="2147483676" r:id="rId15"/>
   </p:sldLayoutIdLst>
-  <p:timing>
-    <p:tnLst>
-      <p:par>
-        <p:cTn id="1" dur="indefinite" restart="never" nodeType="tmRoot"/>
-      </p:par>
-    </p:tnLst>
-  </p:timing>
   <p:hf hdr="0" ftr="0" dt="0"/>
   <p:txStyles>
     <p:titleStyle>
@@ -4704,10 +4617,9 @@
           <a:lstStyle/>
           <a:p>
             <a:r>
-              <a:rPr lang="en-US" dirty="0" smtClean="0"/>
+              <a:rPr lang="en-US" dirty="0"/>
               <a:t>Generalizing this Design</a:t>
             </a:r>
-            <a:endParaRPr lang="en-US" dirty="0"/>
           </a:p>
         </p:txBody>
       </p:sp>
@@ -4748,13 +4660,8 @@
           <a:p>
             <a:r>
               <a:rPr lang="en-US" dirty="0"/>
-              <a:t>Lesson </a:t>
-            </a:r>
-            <a:r>
-              <a:rPr lang="en-US" dirty="0" smtClean="0"/>
-              <a:t>10.5</a:t>
-            </a:r>
-            <a:endParaRPr lang="en-US" dirty="0"/>
+              <a:t>Lesson 10.5</a:t>
+            </a:r>
           </a:p>
         </p:txBody>
       </p:sp>
@@ -4849,27 +4756,13 @@
             <a:p>
               <a:r>
                 <a:rPr lang="en-US" sz="1000" dirty="0"/>
-                <a:t>© Mitchell Wand, </a:t>
-              </a:r>
-              <a:r>
-                <a:rPr lang="en-US" sz="1000" dirty="0" smtClean="0"/>
-                <a:t>2012-2014</a:t>
+                <a:t>© Mitchell Wand, 2012-2016</a:t>
               </a:r>
             </a:p>
             <a:p>
               <a:r>
-                <a:rPr lang="en-US" sz="1000" dirty="0" smtClean="0"/>
+                <a:rPr lang="en-US" sz="1000" dirty="0"/>
                 <a:t>This work is licensed under a </a:t>
-              </a:r>
-              <a:r>
-                <a:rPr lang="en-US" altLang="en-US" sz="1000" dirty="0" smtClean="0">
-                  <a:solidFill>
-                    <a:srgbClr val="4374B7"/>
-                  </a:solidFill>
-                  <a:latin typeface="Helvetica Neue"/>
-                  <a:hlinkClick r:id="rId4"/>
-                </a:rPr>
-                <a:t>Creative </a:t>
               </a:r>
               <a:r>
                 <a:rPr lang="en-US" altLang="en-US" sz="1000" dirty="0">
@@ -4879,7 +4772,7 @@
                   <a:latin typeface="Helvetica Neue"/>
                   <a:hlinkClick r:id="rId4"/>
                 </a:rPr>
-                <a:t>Commons Attribution-</a:t>
+                <a:t>Creative Commons Attribution-</a:t>
               </a:r>
               <a:r>
                 <a:rPr lang="en-US" altLang="en-US" sz="1000" dirty="0" err="1">
@@ -4902,10 +4795,9 @@
                 <a:t> 4.0 International License</a:t>
               </a:r>
               <a:r>
-                <a:rPr lang="en-US" sz="1000" dirty="0" smtClean="0"/>
+                <a:rPr lang="en-US" sz="1000" dirty="0"/>
                 <a:t>.</a:t>
               </a:r>
-              <a:endParaRPr lang="en-US" sz="1000" dirty="0"/>
             </a:p>
           </p:txBody>
         </p:sp>
@@ -4920,13 +4812,6 @@
   <p:clrMapOvr>
     <a:masterClrMapping/>
   </p:clrMapOvr>
-  <p:timing>
-    <p:tnLst>
-      <p:par>
-        <p:cTn id="1" dur="indefinite" restart="never" nodeType="tmRoot"/>
-      </p:par>
-    </p:tnLst>
-  </p:timing>
 </p:sld>
 </file>
 
@@ -4963,10 +4848,9 @@
           <a:lstStyle/>
           <a:p>
             <a:r>
-              <a:rPr lang="en-US" dirty="0" smtClean="0"/>
+              <a:rPr lang="en-US" dirty="0"/>
               <a:t>Now we can build a ball factory</a:t>
             </a:r>
-            <a:endParaRPr lang="en-US" dirty="0"/>
           </a:p>
         </p:txBody>
       </p:sp>
@@ -5149,24 +5033,16 @@
           <a:p>
             <a:r>
               <a:rPr lang="en-US" dirty="0"/>
-              <a:t>    ;; the Ball Factory has no other </a:t>
-            </a:r>
-            <a:r>
-              <a:rPr lang="en-US" dirty="0" smtClean="0"/>
-              <a:t>behavior. Return nonsense values for Void,</a:t>
-            </a:r>
-          </a:p>
-          <a:p>
-            <a:r>
-              <a:rPr lang="en-US" dirty="0"/>
-              <a:t> </a:t>
-            </a:r>
-            <a:r>
-              <a:rPr lang="en-US" dirty="0" smtClean="0"/>
-              <a:t>   ;; to aid </a:t>
-            </a:r>
-            <a:r>
-              <a:rPr lang="en-US" smtClean="0"/>
+              <a:t>    ;; the Ball Factory has no other behavior. Return nonsense values for Void,</a:t>
+            </a:r>
+          </a:p>
+          <a:p>
+            <a:r>
+              <a:rPr lang="en-US" dirty="0"/>
+              <a:t>    ;; to aid </a:t>
+            </a:r>
+            <a:r>
+              <a:rPr lang="en-US"/>
               <a:t>in debugging.</a:t>
             </a:r>
             <a:endParaRPr lang="en-US" dirty="0"/>
@@ -5177,46 +5053,26 @@
           <a:p>
             <a:r>
               <a:rPr lang="en-US" dirty="0"/>
-              <a:t>    (define/public (after-tick) </a:t>
-            </a:r>
-            <a:r>
-              <a:rPr lang="en-US" dirty="0" smtClean="0"/>
-              <a:t>15)</a:t>
-            </a:r>
-            <a:endParaRPr lang="en-US" dirty="0"/>
-          </a:p>
-          <a:p>
-            <a:r>
-              <a:rPr lang="en-US" dirty="0"/>
-              <a:t>    (define/public (after-button-down mx my) </a:t>
-            </a:r>
-            <a:r>
-              <a:rPr lang="en-US" dirty="0" smtClean="0"/>
-              <a:t>16)</a:t>
-            </a:r>
-            <a:endParaRPr lang="en-US" dirty="0"/>
-          </a:p>
-          <a:p>
-            <a:r>
-              <a:rPr lang="en-US" dirty="0"/>
-              <a:t>    (define/public (after-button-up mx my) </a:t>
-            </a:r>
-            <a:r>
-              <a:rPr lang="en-US" dirty="0" smtClean="0"/>
-              <a:t>17)</a:t>
-            </a:r>
-            <a:endParaRPr lang="en-US" dirty="0"/>
-          </a:p>
-          <a:p>
-            <a:r>
-              <a:rPr lang="en-US" dirty="0"/>
-              <a:t>    (define/public (after-drag mx my) </a:t>
-            </a:r>
-            <a:r>
-              <a:rPr lang="en-US" dirty="0" smtClean="0"/>
-              <a:t>18)</a:t>
-            </a:r>
-            <a:endParaRPr lang="en-US" dirty="0"/>
+              <a:t>    (define/public (after-tick) 15)</a:t>
+            </a:r>
+          </a:p>
+          <a:p>
+            <a:r>
+              <a:rPr lang="en-US" dirty="0"/>
+              <a:t>    (define/public (after-button-down mx my) 16)</a:t>
+            </a:r>
+          </a:p>
+          <a:p>
+            <a:r>
+              <a:rPr lang="en-US" dirty="0"/>
+              <a:t>    (define/public (after-button-up mx my) 17)</a:t>
+            </a:r>
+          </a:p>
+          <a:p>
+            <a:r>
+              <a:rPr lang="en-US" dirty="0"/>
+              <a:t>    (define/public (after-drag mx my) 18)</a:t>
+            </a:r>
           </a:p>
           <a:p>
             <a:r>
@@ -5308,7 +5164,7 @@
           <a:p>
             <a:pPr algn="ctr"/>
             <a:r>
-              <a:rPr lang="en-US" dirty="0" smtClean="0">
+              <a:rPr lang="en-US" dirty="0">
                 <a:solidFill>
                   <a:schemeClr val="tx1"/>
                 </a:solidFill>
@@ -5316,7 +5172,7 @@
               <a:t>The factory receives key events from the world.  On each "b", it creates a new ball, and then passes it to the world as an argument to </a:t>
             </a:r>
             <a:r>
-              <a:rPr lang="en-US" b="1" dirty="0" smtClean="0">
+              <a:rPr lang="en-US" b="1" dirty="0">
                 <a:solidFill>
                   <a:schemeClr val="tx1"/>
                 </a:solidFill>
@@ -5324,18 +5180,13 @@
               <a:t>add-widget</a:t>
             </a:r>
             <a:r>
-              <a:rPr lang="en-US" dirty="0" smtClean="0">
+              <a:rPr lang="en-US" dirty="0">
                 <a:solidFill>
                   <a:schemeClr val="tx1"/>
                 </a:solidFill>
               </a:rPr>
               <a:t>. </a:t>
             </a:r>
-            <a:endParaRPr lang="en-US" dirty="0">
-              <a:solidFill>
-                <a:schemeClr val="tx1"/>
-              </a:solidFill>
-            </a:endParaRPr>
           </a:p>
         </p:txBody>
       </p:sp>
@@ -5349,13 +5200,6 @@
   <p:clrMapOvr>
     <a:masterClrMapping/>
   </p:clrMapOvr>
-  <p:timing>
-    <p:tnLst>
-      <p:par>
-        <p:cTn id="1" dur="indefinite" restart="never" nodeType="tmRoot"/>
-      </p:par>
-    </p:tnLst>
-  </p:timing>
 </p:sld>
 </file>
 
@@ -5392,10 +5236,9 @@
           <a:lstStyle/>
           <a:p>
             <a:r>
-              <a:rPr lang="en-US" dirty="0" smtClean="0"/>
+              <a:rPr lang="en-US" dirty="0"/>
               <a:t>And let's initialize the system</a:t>
             </a:r>
-            <a:endParaRPr lang="en-US" dirty="0"/>
           </a:p>
         </p:txBody>
       </p:sp>
@@ -5423,13 +5266,8 @@
             </a:pPr>
             <a:r>
               <a:rPr lang="en-US" sz="1600" dirty="0"/>
-              <a:t>;; initial-world : -&gt; </a:t>
-            </a:r>
-            <a:r>
-              <a:rPr lang="en-US" sz="1600" dirty="0" err="1"/>
-              <a:t>WorldState</a:t>
-            </a:r>
-            <a:endParaRPr lang="en-US" sz="1600" dirty="0"/>
+              <a:t>;; initial-world : -&gt; World</a:t>
+            </a:r>
           </a:p>
           <a:p>
             <a:pPr>
@@ -5653,7 +5491,7 @@
               <a:buAutoNum type="arabicPeriod"/>
             </a:pPr>
             <a:r>
-              <a:rPr lang="en-US" dirty="0" smtClean="0">
+              <a:rPr lang="en-US" dirty="0">
                 <a:solidFill>
                   <a:schemeClr val="tx1"/>
                 </a:solidFill>
@@ -5666,7 +5504,7 @@
               <a:buAutoNum type="arabicPeriod"/>
             </a:pPr>
             <a:r>
-              <a:rPr lang="en-US" dirty="0" smtClean="0">
+              <a:rPr lang="en-US" dirty="0">
                 <a:solidFill>
                   <a:schemeClr val="tx1"/>
                 </a:solidFill>
@@ -5679,7 +5517,7 @@
               <a:buAutoNum type="arabicPeriod"/>
             </a:pPr>
             <a:r>
-              <a:rPr lang="en-US" dirty="0" smtClean="0">
+              <a:rPr lang="en-US" dirty="0">
                 <a:solidFill>
                   <a:schemeClr val="tx1"/>
                 </a:solidFill>
@@ -5692,7 +5530,7 @@
               <a:buAutoNum type="arabicPeriod"/>
             </a:pPr>
             <a:r>
-              <a:rPr lang="en-US" dirty="0" smtClean="0">
+              <a:rPr lang="en-US" dirty="0">
                 <a:solidFill>
                   <a:schemeClr val="tx1"/>
                 </a:solidFill>
@@ -5705,7 +5543,7 @@
               <a:buAutoNum type="arabicPeriod"/>
             </a:pPr>
             <a:r>
-              <a:rPr lang="en-US" dirty="0" smtClean="0">
+              <a:rPr lang="en-US" dirty="0">
                 <a:solidFill>
                   <a:schemeClr val="tx1"/>
                 </a:solidFill>
@@ -5718,18 +5556,13 @@
               <a:buAutoNum type="arabicPeriod"/>
             </a:pPr>
             <a:r>
-              <a:rPr lang="en-US" dirty="0" smtClean="0">
+              <a:rPr lang="en-US" dirty="0">
                 <a:solidFill>
                   <a:schemeClr val="tx1"/>
                 </a:solidFill>
               </a:rPr>
               <a:t>Return the resulting world</a:t>
             </a:r>
-            <a:endParaRPr lang="en-US" dirty="0">
-              <a:solidFill>
-                <a:schemeClr val="tx1"/>
-              </a:solidFill>
-            </a:endParaRPr>
           </a:p>
         </p:txBody>
       </p:sp>
@@ -5743,13 +5576,6 @@
   <p:clrMapOvr>
     <a:masterClrMapping/>
   </p:clrMapOvr>
-  <p:timing>
-    <p:tnLst>
-      <p:par>
-        <p:cTn id="1" dur="indefinite" restart="never" nodeType="tmRoot"/>
-      </p:par>
-    </p:tnLst>
-  </p:timing>
 </p:sld>
 </file>
 
@@ -5788,10 +5614,9 @@
           <a:lstStyle/>
           <a:p>
             <a:r>
-              <a:rPr lang="en-US" dirty="0" smtClean="0"/>
+              <a:rPr lang="en-US" dirty="0"/>
               <a:t>We just created a cyclic structure!</a:t>
             </a:r>
-            <a:endParaRPr lang="en-US" dirty="0"/>
           </a:p>
         </p:txBody>
       </p:sp>
@@ -5811,30 +5636,29 @@
           <a:lstStyle/>
           <a:p>
             <a:r>
-              <a:rPr lang="en-US" dirty="0" smtClean="0"/>
+              <a:rPr lang="en-US" dirty="0"/>
               <a:t>Notice: the factory needed to know about the world, and the world needed to know about the factory.</a:t>
             </a:r>
           </a:p>
           <a:p>
             <a:r>
-              <a:rPr lang="en-US" dirty="0" smtClean="0"/>
+              <a:rPr lang="en-US" dirty="0"/>
               <a:t>This is a </a:t>
             </a:r>
             <a:r>
-              <a:rPr lang="en-US" i="1" dirty="0" smtClean="0"/>
+              <a:rPr lang="en-US" i="1" dirty="0"/>
               <a:t>cyclic</a:t>
             </a:r>
             <a:r>
-              <a:rPr lang="en-US" dirty="0" smtClean="0"/>
+              <a:rPr lang="en-US" dirty="0"/>
               <a:t> structure.</a:t>
             </a:r>
           </a:p>
           <a:p>
             <a:r>
-              <a:rPr lang="en-US" dirty="0" smtClean="0"/>
+              <a:rPr lang="en-US" dirty="0"/>
               <a:t>You can't build a cyclic structure without state.</a:t>
             </a:r>
-            <a:endParaRPr lang="en-US" dirty="0"/>
           </a:p>
         </p:txBody>
       </p:sp>
@@ -5871,13 +5695,6 @@
   <p:clrMapOvr>
     <a:masterClrMapping/>
   </p:clrMapOvr>
-  <p:timing>
-    <p:tnLst>
-      <p:par>
-        <p:cTn id="1" dur="indefinite" restart="never" nodeType="tmRoot"/>
-      </p:par>
-    </p:tnLst>
-  </p:timing>
 </p:sld>
 </file>
 
@@ -5914,10 +5731,9 @@
           <a:lstStyle/>
           <a:p>
             <a:r>
-              <a:rPr lang="en-US" dirty="0" smtClean="0"/>
+              <a:rPr lang="en-US" dirty="0"/>
               <a:t>Wasn't that fun?</a:t>
             </a:r>
-            <a:endParaRPr lang="en-US" dirty="0"/>
           </a:p>
         </p:txBody>
       </p:sp>
@@ -5937,10 +5753,9 @@
           <a:lstStyle/>
           <a:p>
             <a:r>
-              <a:rPr lang="en-US" dirty="0" smtClean="0"/>
+              <a:rPr lang="en-US" dirty="0"/>
               <a:t>Go play with 10-4-ball-factory.rkt</a:t>
             </a:r>
-            <a:endParaRPr lang="en-US" dirty="0"/>
           </a:p>
         </p:txBody>
       </p:sp>
@@ -5977,13 +5792,6 @@
   <p:clrMapOvr>
     <a:masterClrMapping/>
   </p:clrMapOvr>
-  <p:timing>
-    <p:tnLst>
-      <p:par>
-        <p:cTn id="1" dur="indefinite" restart="never" nodeType="tmRoot"/>
-      </p:par>
-    </p:tnLst>
-  </p:timing>
 </p:sld>
 </file>
 
@@ -6020,10 +5828,9 @@
           <a:lstStyle/>
           <a:p>
             <a:r>
-              <a:rPr lang="en-US" dirty="0" smtClean="0"/>
+              <a:rPr lang="en-US" dirty="0"/>
               <a:t>Key Points for Lesson 10.5</a:t>
             </a:r>
-            <a:endParaRPr lang="en-US" dirty="0"/>
           </a:p>
         </p:txBody>
       </p:sp>
@@ -6043,36 +5850,35 @@
           <a:lstStyle/>
           <a:p>
             <a:r>
-              <a:rPr lang="en-US" dirty="0" smtClean="0"/>
+              <a:rPr lang="en-US" dirty="0"/>
               <a:t>We applied the iterative design strategy in an object-oriented system</a:t>
             </a:r>
           </a:p>
           <a:p>
             <a:r>
-              <a:rPr lang="en-US" dirty="0" smtClean="0"/>
+              <a:rPr lang="en-US" dirty="0"/>
               <a:t>At every step, we first designed the interface, so we'd know what our methods were supposed to do.</a:t>
             </a:r>
           </a:p>
           <a:p>
             <a:r>
-              <a:rPr lang="en-US" dirty="0" smtClean="0"/>
+              <a:rPr lang="en-US" dirty="0"/>
               <a:t>Then we designed the methods.</a:t>
             </a:r>
           </a:p>
           <a:p>
             <a:r>
-              <a:rPr lang="en-US" dirty="0" smtClean="0"/>
+              <a:rPr lang="en-US" dirty="0"/>
               <a:t>We needed a cyclic structure, so both the world and the factory needed to be </a:t>
             </a:r>
             <a:r>
-              <a:rPr lang="en-US" dirty="0" err="1" smtClean="0"/>
+              <a:rPr lang="en-US" dirty="0" err="1"/>
               <a:t>stateful</a:t>
             </a:r>
             <a:r>
-              <a:rPr lang="en-US" dirty="0" smtClean="0"/>
+              <a:rPr lang="en-US" dirty="0"/>
               <a:t>. </a:t>
             </a:r>
-            <a:endParaRPr lang="en-US" dirty="0"/>
           </a:p>
         </p:txBody>
       </p:sp>
@@ -6109,13 +5915,6 @@
   <p:clrMapOvr>
     <a:masterClrMapping/>
   </p:clrMapOvr>
-  <p:timing>
-    <p:tnLst>
-      <p:par>
-        <p:cTn id="1" dur="indefinite" restart="never" nodeType="tmRoot"/>
-      </p:par>
-    </p:tnLst>
-  </p:timing>
 </p:sld>
 </file>
 
@@ -6152,10 +5951,9 @@
           <a:lstStyle/>
           <a:p>
             <a:r>
-              <a:rPr lang="en-US" dirty="0" smtClean="0"/>
+              <a:rPr lang="en-US" dirty="0"/>
               <a:t>Next Steps</a:t>
             </a:r>
-            <a:endParaRPr lang="en-US" dirty="0"/>
           </a:p>
         </p:txBody>
       </p:sp>
@@ -6175,26 +5973,25 @@
           <a:lstStyle/>
           <a:p>
             <a:r>
-              <a:rPr lang="en-US" dirty="0" smtClean="0"/>
+              <a:rPr lang="en-US" dirty="0"/>
               <a:t>Study 10-4-ball-factory.rkt in the Examples folder.</a:t>
             </a:r>
           </a:p>
           <a:p>
             <a:r>
-              <a:rPr lang="en-US" dirty="0" smtClean="0"/>
+              <a:rPr lang="en-US" dirty="0"/>
               <a:t>If you have questions about this lesson, ask them on the Discussion Board</a:t>
             </a:r>
           </a:p>
           <a:p>
             <a:r>
-              <a:rPr lang="en-US" smtClean="0"/>
+              <a:rPr lang="en-US"/>
               <a:t>Go </a:t>
             </a:r>
             <a:r>
-              <a:rPr lang="en-US" dirty="0" smtClean="0"/>
+              <a:rPr lang="en-US" dirty="0"/>
               <a:t>on to the next lesson.</a:t>
             </a:r>
-            <a:endParaRPr lang="en-US" dirty="0"/>
           </a:p>
         </p:txBody>
       </p:sp>
@@ -6231,13 +6028,6 @@
   <p:clrMapOvr>
     <a:masterClrMapping/>
   </p:clrMapOvr>
-  <p:timing>
-    <p:tnLst>
-      <p:par>
-        <p:cTn id="1" dur="indefinite" restart="never" nodeType="tmRoot"/>
-      </p:par>
-    </p:tnLst>
-  </p:timing>
 </p:sld>
 </file>
 
@@ -6276,10 +6066,9 @@
           <a:lstStyle/>
           <a:p>
             <a:r>
-              <a:rPr lang="en-US" dirty="0" smtClean="0"/>
+              <a:rPr lang="en-US" dirty="0"/>
               <a:t>Problems with our design so far</a:t>
             </a:r>
-            <a:endParaRPr lang="en-US" dirty="0"/>
           </a:p>
         </p:txBody>
       </p:sp>
@@ -6296,46 +6085,33 @@
         <p:spPr/>
         <p:txBody>
           <a:bodyPr>
-            <a:normAutofit fontScale="92500" lnSpcReduction="10000"/>
+            <a:normAutofit fontScale="92500"/>
           </a:bodyPr>
           <a:lstStyle/>
           <a:p>
             <a:r>
               <a:rPr lang="en-US" dirty="0"/>
-              <a:t>I</a:t>
-            </a:r>
-            <a:r>
-              <a:rPr lang="en-US" dirty="0" smtClean="0"/>
-              <a:t>t used to be that </a:t>
-            </a:r>
-            <a:r>
-              <a:rPr lang="en-US" dirty="0" err="1" smtClean="0"/>
-              <a:t>WorldState</a:t>
-            </a:r>
-            <a:r>
-              <a:rPr lang="en-US" dirty="0" smtClean="0"/>
-              <a:t>% created new widgets by trapping keystrokes in its after-key-event method.</a:t>
-            </a:r>
-          </a:p>
-          <a:p>
-            <a:r>
-              <a:rPr lang="en-US" dirty="0" smtClean="0"/>
+              <a:t>It used to be that World% created new widgets by trapping keystrokes in its after-key-event method.</a:t>
+            </a:r>
+          </a:p>
+          <a:p>
+            <a:r>
+              <a:rPr lang="en-US" dirty="0"/>
               <a:t>But what if we want to add new objects by some other means (e.g. pushing a button on the screen)?</a:t>
             </a:r>
           </a:p>
           <a:p>
             <a:r>
-              <a:rPr lang="en-US" dirty="0" smtClean="0"/>
+              <a:rPr lang="en-US" dirty="0"/>
               <a:t>And having widget creation handled by the World means the World has to know both about distributing messages AND about keystrokes</a:t>
             </a:r>
           </a:p>
           <a:p>
             <a:pPr lvl="1"/>
             <a:r>
-              <a:rPr lang="en-US" dirty="0" smtClean="0"/>
+              <a:rPr lang="en-US" dirty="0"/>
               <a:t>that's a violation of one task per function.</a:t>
             </a:r>
-            <a:endParaRPr lang="en-US" dirty="0"/>
           </a:p>
         </p:txBody>
       </p:sp>
@@ -6372,13 +6148,6 @@
   <p:clrMapOvr>
     <a:masterClrMapping/>
   </p:clrMapOvr>
-  <p:timing>
-    <p:tnLst>
-      <p:par>
-        <p:cTn id="1" dur="indefinite" restart="never" nodeType="tmRoot"/>
-      </p:par>
-    </p:tnLst>
-  </p:timing>
 </p:sld>
 </file>
 
@@ -6415,10 +6184,9 @@
           <a:lstStyle/>
           <a:p>
             <a:r>
-              <a:rPr lang="en-US" dirty="0" smtClean="0"/>
+              <a:rPr lang="en-US" dirty="0"/>
               <a:t>Solving this problem</a:t>
             </a:r>
-            <a:endParaRPr lang="en-US" dirty="0"/>
           </a:p>
         </p:txBody>
       </p:sp>
@@ -6438,7 +6206,7 @@
           <a:lstStyle/>
           <a:p>
             <a:r>
-              <a:rPr lang="en-US" dirty="0" smtClean="0"/>
+              <a:rPr lang="en-US" dirty="0"/>
               <a:t>We'll do this in three steps:</a:t>
             </a:r>
           </a:p>
@@ -6448,15 +6216,15 @@
               <a:buAutoNum type="arabicPeriod"/>
             </a:pPr>
             <a:r>
-              <a:rPr lang="en-US" dirty="0" smtClean="0"/>
+              <a:rPr lang="en-US" dirty="0"/>
               <a:t>We'll make the world </a:t>
             </a:r>
             <a:r>
-              <a:rPr lang="en-US" dirty="0" err="1" smtClean="0"/>
+              <a:rPr lang="en-US" dirty="0" err="1"/>
               <a:t>stateful</a:t>
             </a:r>
             <a:r>
-              <a:rPr lang="en-US" dirty="0" smtClean="0"/>
+              <a:rPr lang="en-US" dirty="0"/>
               <a:t>, too</a:t>
             </a:r>
           </a:p>
@@ -6466,15 +6234,15 @@
               <a:buAutoNum type="arabicPeriod"/>
             </a:pPr>
             <a:r>
-              <a:rPr lang="en-US" dirty="0" smtClean="0"/>
+              <a:rPr lang="en-US" dirty="0"/>
               <a:t>We'll give it methods for adding widgets and </a:t>
             </a:r>
             <a:r>
-              <a:rPr lang="en-US" dirty="0" err="1" smtClean="0"/>
+              <a:rPr lang="en-US" dirty="0" err="1"/>
               <a:t>stateful</a:t>
             </a:r>
             <a:r>
-              <a:rPr lang="en-US" dirty="0" smtClean="0"/>
+              <a:rPr lang="en-US" dirty="0"/>
               <a:t> widgets.</a:t>
             </a:r>
           </a:p>
@@ -6484,17 +6252,16 @@
               <a:buAutoNum type="arabicPeriod"/>
             </a:pPr>
             <a:r>
-              <a:rPr lang="en-US" dirty="0" smtClean="0"/>
+              <a:rPr lang="en-US" dirty="0"/>
               <a:t>Then we'll create a ball factory to create balls and add them to the world.</a:t>
             </a:r>
           </a:p>
           <a:p>
             <a:pPr marL="1371600" lvl="2" indent="-514350"/>
             <a:r>
-              <a:rPr lang="en-US" dirty="0" smtClean="0"/>
+              <a:rPr lang="en-US" dirty="0"/>
               <a:t>the factory will know about the wall, so the balls it creates will be equipped with knowledge about the wall.</a:t>
             </a:r>
-            <a:endParaRPr lang="en-US" dirty="0"/>
           </a:p>
         </p:txBody>
       </p:sp>
@@ -6531,13 +6298,6 @@
   <p:clrMapOvr>
     <a:masterClrMapping/>
   </p:clrMapOvr>
-  <p:timing>
-    <p:tnLst>
-      <p:par>
-        <p:cTn id="1" dur="indefinite" restart="never" nodeType="tmRoot"/>
-      </p:par>
-    </p:tnLst>
-  </p:timing>
 </p:sld>
 </file>
 
@@ -6574,14 +6334,13 @@
           <a:lstStyle/>
           <a:p>
             <a:r>
-              <a:rPr lang="en-US" dirty="0" err="1" smtClean="0"/>
-              <a:t>StatefulWorld</a:t>
-            </a:r>
-            <a:r>
-              <a:rPr lang="en-US" dirty="0" smtClean="0"/>
+              <a:rPr lang="en-US" dirty="0" err="1"/>
+              <a:t>SWorld</a:t>
+            </a:r>
+            <a:r>
+              <a:rPr lang="en-US" dirty="0"/>
               <a:t>&lt;%&gt;</a:t>
             </a:r>
-            <a:endParaRPr lang="en-US" dirty="0"/>
           </a:p>
         </p:txBody>
       </p:sp>
@@ -6608,7 +6367,7 @@
             </a:r>
             <a:r>
               <a:rPr lang="en-US" dirty="0" err="1"/>
-              <a:t>StatefulWorld</a:t>
+              <a:t>SWorld</a:t>
             </a:r>
             <a:r>
               <a:rPr lang="en-US" dirty="0"/>
@@ -6625,7 +6384,7 @@
             </a:r>
             <a:r>
               <a:rPr lang="en-US" dirty="0" err="1"/>
-              <a:t>StatefulWorld</a:t>
+              <a:t>SWorld</a:t>
             </a:r>
             <a:r>
               <a:rPr lang="en-US" dirty="0"/>
@@ -6787,25 +6546,13 @@
             </a:r>
             <a:r>
               <a:rPr lang="en-US" dirty="0"/>
-              <a:t>to the state </a:t>
-            </a:r>
-            <a:r>
-              <a:rPr lang="en-US" dirty="0" smtClean="0"/>
-              <a:t>it should be in </a:t>
-            </a:r>
-          </a:p>
-          <a:p>
-            <a:r>
-              <a:rPr lang="en-US" dirty="0"/>
-              <a:t> </a:t>
-            </a:r>
-            <a:r>
-              <a:rPr lang="en-US" dirty="0" smtClean="0"/>
-              <a:t>   ;  following the given </a:t>
-            </a:r>
-            <a:r>
-              <a:rPr lang="en-US" dirty="0"/>
-              <a:t>mouse event at the given location.</a:t>
+              <a:t>to the state it should be in </a:t>
+            </a:r>
+          </a:p>
+          <a:p>
+            <a:r>
+              <a:rPr lang="en-US" dirty="0"/>
+              <a:t>    ;  following the given mouse event at the given location.</a:t>
             </a:r>
           </a:p>
           <a:p>
@@ -6892,25 +6639,13 @@
             </a:r>
             <a:r>
               <a:rPr lang="en-US" dirty="0"/>
-              <a:t> to the state </a:t>
-            </a:r>
-            <a:r>
-              <a:rPr lang="en-US" dirty="0" smtClean="0"/>
-              <a:t>it should be in </a:t>
-            </a:r>
-          </a:p>
-          <a:p>
-            <a:r>
-              <a:rPr lang="en-US" dirty="0"/>
-              <a:t> </a:t>
-            </a:r>
-            <a:r>
-              <a:rPr lang="en-US" dirty="0" smtClean="0"/>
-              <a:t>   ;  following the </a:t>
-            </a:r>
-            <a:r>
-              <a:rPr lang="en-US" dirty="0"/>
-              <a:t>given key event</a:t>
+              <a:t> to the state it should be in </a:t>
+            </a:r>
+          </a:p>
+          <a:p>
+            <a:r>
+              <a:rPr lang="en-US" dirty="0"/>
+              <a:t>    ;  following the given key event</a:t>
             </a:r>
           </a:p>
           <a:p>
@@ -6951,12 +6686,8 @@
           </a:p>
           <a:p>
             <a:r>
-              <a:rPr lang="en-US" dirty="0" smtClean="0"/>
-              <a:t>    </a:t>
-            </a:r>
-            <a:r>
-              <a:rPr lang="en-US" dirty="0"/>
-              <a:t>))</a:t>
+              <a:rPr lang="en-US" dirty="0"/>
+              <a:t>    ))</a:t>
             </a:r>
           </a:p>
           <a:p>
@@ -7034,18 +6765,13 @@
           <a:p>
             <a:pPr algn="ctr"/>
             <a:r>
-              <a:rPr lang="en-US" dirty="0" smtClean="0">
+              <a:rPr lang="en-US" dirty="0">
                 <a:solidFill>
                   <a:schemeClr val="tx1"/>
                 </a:solidFill>
               </a:rPr>
               <a:t>This is just like what we did before: We change the contracts to return Void, and replace RETURNS with EFFECT in the purpose statements.</a:t>
             </a:r>
-            <a:endParaRPr lang="en-US" dirty="0">
-              <a:solidFill>
-                <a:schemeClr val="tx1"/>
-              </a:solidFill>
-            </a:endParaRPr>
           </a:p>
         </p:txBody>
       </p:sp>
@@ -7059,13 +6785,6 @@
   <p:clrMapOvr>
     <a:masterClrMapping/>
   </p:clrMapOvr>
-  <p:timing>
-    <p:tnLst>
-      <p:par>
-        <p:cTn id="1" dur="indefinite" restart="never" nodeType="tmRoot"/>
-      </p:par>
-    </p:tnLst>
-  </p:timing>
 </p:sld>
 </file>
 
@@ -7102,10 +6821,9 @@
           <a:lstStyle/>
           <a:p>
             <a:r>
-              <a:rPr lang="en-US" dirty="0" smtClean="0"/>
+              <a:rPr lang="en-US" dirty="0"/>
               <a:t>World%</a:t>
             </a:r>
-            <a:endParaRPr lang="en-US" dirty="0"/>
           </a:p>
         </p:txBody>
       </p:sp>
@@ -7223,7 +6941,7 @@
             </a:r>
             <a:r>
               <a:rPr lang="en-US" dirty="0" err="1"/>
-              <a:t>StatefulWorld</a:t>
+              <a:t>SWorld</a:t>
             </a:r>
             <a:r>
               <a:rPr lang="en-US" dirty="0"/>
@@ -7523,34 +7241,13 @@
           <a:lstStyle/>
           <a:p>
             <a:r>
-              <a:rPr lang="en-US" sz="1400" dirty="0" smtClean="0">
+              <a:rPr lang="en-US" sz="1400" dirty="0">
                 <a:solidFill>
                   <a:schemeClr val="tx1"/>
                 </a:solidFill>
               </a:rPr>
-              <a:t>In keeping with Lesson 10.3, I've changed the name of this class of </a:t>
-            </a:r>
-            <a:r>
-              <a:rPr lang="en-US" sz="1400" dirty="0" err="1" smtClean="0">
-                <a:solidFill>
-                  <a:schemeClr val="tx1"/>
-                </a:solidFill>
-              </a:rPr>
-              <a:t>WorldState</a:t>
-            </a:r>
-            <a:r>
-              <a:rPr lang="en-US" sz="1400" dirty="0" smtClean="0">
-                <a:solidFill>
-                  <a:schemeClr val="tx1"/>
-                </a:solidFill>
-              </a:rPr>
-              <a:t>% to World%, since it models an actual world, not merely the mathematical value that is its state.</a:t>
-            </a:r>
-            <a:endParaRPr lang="en-US" sz="1400" dirty="0">
-              <a:solidFill>
-                <a:schemeClr val="tx1"/>
-              </a:solidFill>
-            </a:endParaRPr>
+              <a:t>In keeping with Lesson 10.3, I've changed the name of this class of World% to World%, since it models an actual world, not merely the mathematical value that is its state.</a:t>
+            </a:r>
           </a:p>
         </p:txBody>
       </p:sp>
@@ -7601,18 +7298,13 @@
           <a:p>
             <a:pPr algn="ctr"/>
             <a:r>
-              <a:rPr lang="en-US" sz="1400" dirty="0" smtClean="0">
+              <a:rPr lang="en-US" sz="1400" dirty="0">
                 <a:solidFill>
                   <a:schemeClr val="tx1"/>
                 </a:solidFill>
               </a:rPr>
               <a:t>We replace each call to make-world-state or new with a suitable set!, just as in the preceding lesson.</a:t>
             </a:r>
-            <a:endParaRPr lang="en-US" sz="1400" dirty="0">
-              <a:solidFill>
-                <a:schemeClr val="tx1"/>
-              </a:solidFill>
-            </a:endParaRPr>
           </a:p>
         </p:txBody>
       </p:sp>
@@ -7696,13 +7388,6 @@
   <p:clrMapOvr>
     <a:masterClrMapping/>
   </p:clrMapOvr>
-  <p:timing>
-    <p:tnLst>
-      <p:par>
-        <p:cTn id="1" dur="indefinite" restart="never" nodeType="tmRoot"/>
-      </p:par>
-    </p:tnLst>
-  </p:timing>
 </p:sld>
 </file>
 
@@ -7741,10 +7426,9 @@
           <a:lstStyle/>
           <a:p>
             <a:r>
-              <a:rPr lang="en-US" dirty="0" smtClean="0"/>
+              <a:rPr lang="en-US" dirty="0"/>
               <a:t>We need to modify our call to big-bang</a:t>
             </a:r>
-            <a:endParaRPr lang="en-US" dirty="0"/>
           </a:p>
         </p:txBody>
       </p:sp>
@@ -7793,13 +7477,8 @@
           <a:p>
             <a:r>
               <a:rPr lang="en-US" dirty="0"/>
-              <a:t>; RETURNS: the world in its final </a:t>
-            </a:r>
-            <a:r>
-              <a:rPr lang="en-US" dirty="0" smtClean="0"/>
-              <a:t>state</a:t>
-            </a:r>
-            <a:endParaRPr lang="en-US" dirty="0"/>
+              <a:t>; RETURNS: the world in its final state</a:t>
+            </a:r>
           </a:p>
           <a:p>
             <a:r>
@@ -8006,31 +7685,22 @@
           <a:lstStyle/>
           <a:p>
             <a:r>
-              <a:rPr lang="en-US" dirty="0" smtClean="0"/>
+              <a:rPr lang="en-US" dirty="0"/>
               <a:t>The methods of the world used to return a new world, but not any more.  </a:t>
             </a:r>
             <a:r>
-              <a:rPr lang="en-US" b="1" dirty="0" smtClean="0"/>
+              <a:rPr lang="en-US" b="1" dirty="0"/>
               <a:t>Big-bang</a:t>
             </a:r>
             <a:r>
-              <a:rPr lang="en-US" dirty="0" smtClean="0"/>
+              <a:rPr lang="en-US" dirty="0"/>
               <a:t> still expects its handlers to return a world, so we do this explicitly by writing</a:t>
             </a:r>
-            <a:endParaRPr lang="en-US" dirty="0"/>
-          </a:p>
-          <a:p>
-            <a:r>
-              <a:rPr lang="en-US" b="1" dirty="0" smtClean="0"/>
-              <a:t>(</a:t>
-            </a:r>
+          </a:p>
+          <a:p>
             <a:r>
               <a:rPr lang="en-US" b="1" dirty="0"/>
-              <a:t>begin (send w ...) w</a:t>
-            </a:r>
-            <a:r>
-              <a:rPr lang="en-US" b="1" dirty="0" smtClean="0"/>
-              <a:t>)</a:t>
+              <a:t>(begin (send w ...) w)</a:t>
             </a:r>
             <a:endParaRPr lang="en-US" b="1" dirty="0">
               <a:solidFill>
@@ -8050,13 +7720,6 @@
   <p:clrMapOvr>
     <a:masterClrMapping/>
   </p:clrMapOvr>
-  <p:timing>
-    <p:tnLst>
-      <p:par>
-        <p:cTn id="1" dur="indefinite" restart="never" nodeType="tmRoot"/>
-      </p:par>
-    </p:tnLst>
-  </p:timing>
 </p:sld>
 </file>
 
@@ -8095,10 +7758,9 @@
           <a:lstStyle/>
           <a:p>
             <a:r>
-              <a:rPr lang="en-US" dirty="0" smtClean="0"/>
+              <a:rPr lang="en-US" dirty="0"/>
               <a:t>We still initialize the world in the same way</a:t>
             </a:r>
-            <a:endParaRPr lang="en-US" dirty="0"/>
           </a:p>
         </p:txBody>
       </p:sp>
@@ -8129,16 +7791,11 @@
               <a:rPr lang="en-US" sz="1800" dirty="0"/>
               <a:t>;; RETURNS: a world with a wall and a ball that knows about </a:t>
             </a:r>
-            <a:endParaRPr lang="en-US" sz="1800" dirty="0" smtClean="0"/>
-          </a:p>
-          <a:p>
-            <a:r>
-              <a:rPr lang="en-US" sz="1800" dirty="0" smtClean="0"/>
-              <a:t>;;  the </a:t>
-            </a:r>
+          </a:p>
+          <a:p>
             <a:r>
               <a:rPr lang="en-US" sz="1800" dirty="0"/>
-              <a:t>wall.</a:t>
+              <a:t>;;  the wall.</a:t>
             </a:r>
           </a:p>
           <a:p>
@@ -8218,13 +7875,6 @@
   <p:clrMapOvr>
     <a:masterClrMapping/>
   </p:clrMapOvr>
-  <p:timing>
-    <p:tnLst>
-      <p:par>
-        <p:cTn id="1" dur="indefinite" restart="never" nodeType="tmRoot"/>
-      </p:par>
-    </p:tnLst>
-  </p:timing>
 </p:sld>
 </file>
 
@@ -8263,10 +7913,9 @@
           <a:lstStyle/>
           <a:p>
             <a:r>
-              <a:rPr lang="en-US" dirty="0" smtClean="0"/>
+              <a:rPr lang="en-US" dirty="0"/>
               <a:t>Now let's add a method to add new widgets to the world</a:t>
             </a:r>
-            <a:endParaRPr lang="en-US" dirty="0"/>
           </a:p>
         </p:txBody>
       </p:sp>
@@ -8288,24 +7937,24 @@
           <a:lstStyle/>
           <a:p>
             <a:r>
-              <a:rPr lang="en-US" b="0" dirty="0" smtClean="0">
+              <a:rPr lang="en-US" b="0" dirty="0">
                 <a:latin typeface="+mn-lt"/>
               </a:rPr>
               <a:t>First we add it to the interface </a:t>
             </a:r>
             <a:r>
-              <a:rPr lang="en-US" dirty="0" smtClean="0">
+              <a:rPr lang="en-US" dirty="0">
                 <a:latin typeface="+mn-lt"/>
               </a:rPr>
               <a:t>World&lt;%&gt; </a:t>
             </a:r>
             <a:r>
-              <a:rPr lang="en-US" b="0" dirty="0" smtClean="0">
+              <a:rPr lang="en-US" b="0" dirty="0">
                 <a:latin typeface="+mn-lt"/>
               </a:rPr>
               <a:t>:</a:t>
             </a:r>
-            <a:endParaRPr lang="en-US" dirty="0" smtClean="0">
+            <a:endParaRPr lang="en-US" dirty="0">
               <a:latin typeface="+mn-lt"/>
             </a:endParaRPr>
           </a:p>
@@ -8314,12 +7963,8 @@
           </a:p>
           <a:p>
             <a:r>
-              <a:rPr lang="en-US" sz="1600" dirty="0" smtClean="0"/>
-              <a:t>   ; </a:t>
-            </a:r>
-            <a:r>
               <a:rPr lang="en-US" sz="1600" dirty="0"/>
-              <a:t>Widget -&gt; Void</a:t>
+              <a:t>   ; Widget -&gt; Void</a:t>
             </a:r>
           </a:p>
           <a:p>
@@ -8426,13 +8071,6 @@
   <p:clrMapOvr>
     <a:masterClrMapping/>
   </p:clrMapOvr>
-  <p:timing>
-    <p:tnLst>
-      <p:par>
-        <p:cTn id="1" dur="indefinite" restart="never" nodeType="tmRoot"/>
-      </p:par>
-    </p:tnLst>
-  </p:timing>
 </p:sld>
 </file>
 
@@ -8471,10 +8109,9 @@
           <a:lstStyle/>
           <a:p>
             <a:r>
-              <a:rPr lang="en-US" dirty="0" smtClean="0"/>
+              <a:rPr lang="en-US" dirty="0"/>
               <a:t>And the method definitions:</a:t>
             </a:r>
-            <a:endParaRPr lang="en-US" dirty="0"/>
           </a:p>
         </p:txBody>
       </p:sp>
@@ -8495,19 +8132,11 @@
           <a:p>
             <a:r>
               <a:rPr lang="en-US" dirty="0"/>
-              <a:t> </a:t>
-            </a:r>
-            <a:r>
-              <a:rPr lang="en-US" dirty="0" smtClean="0"/>
-              <a:t> </a:t>
-            </a:r>
-            <a:r>
-              <a:rPr lang="en-US" sz="1800" dirty="0" smtClean="0"/>
-              <a:t>(</a:t>
+              <a:t>  </a:t>
             </a:r>
             <a:r>
               <a:rPr lang="en-US" sz="1800" dirty="0"/>
-              <a:t>define/public (add-widget w)</a:t>
+              <a:t>(define/public (add-widget w)</a:t>
             </a:r>
           </a:p>
           <a:p>
@@ -8606,13 +8235,6 @@
   <p:clrMapOvr>
     <a:masterClrMapping/>
   </p:clrMapOvr>
-  <p:timing>
-    <p:tnLst>
-      <p:par>
-        <p:cTn id="1" dur="indefinite" restart="never" nodeType="tmRoot"/>
-      </p:par>
-    </p:tnLst>
-  </p:timing>
 </p:sld>
 </file>
 

--- a/Slides/Lesson 10.5 Generalizing this Design.pptx
+++ b/Slides/Lesson 10.5 Generalizing this Design.pptx
@@ -225,7 +225,7 @@
           <a:p>
             <a:fld id="{B7676462-FC52-45C7-85E1-16BDE2BE239E}" type="datetimeFigureOut">
               <a:rPr lang="en-US" smtClean="0"/>
-              <a:t>11/6/2016</a:t>
+              <a:t>11/7/2016</a:t>
             </a:fld>
             <a:endParaRPr lang="en-US"/>
           </a:p>
@@ -839,7 +839,7 @@
           <a:p>
             <a:fld id="{2F1F79F5-7BEC-496A-AFC7-876E38F64D71}" type="datetime1">
               <a:rPr lang="en-US" smtClean="0"/>
-              <a:t>11/6/2016</a:t>
+              <a:t>11/7/2016</a:t>
             </a:fld>
             <a:endParaRPr lang="en-US"/>
           </a:p>
@@ -956,7 +956,7 @@
           <a:p>
             <a:fld id="{2F7B77F5-1464-4F6B-92A8-64FC8A508293}" type="datetime1">
               <a:rPr lang="en-US" smtClean="0"/>
-              <a:t>11/6/2016</a:t>
+              <a:t>11/7/2016</a:t>
             </a:fld>
             <a:endParaRPr lang="en-US"/>
           </a:p>
@@ -1051,7 +1051,7 @@
           <a:p>
             <a:fld id="{0A05703A-7669-4FEA-9056-25299B4D29D4}" type="datetime1">
               <a:rPr lang="en-US" smtClean="0"/>
-              <a:t>11/6/2016</a:t>
+              <a:t>11/7/2016</a:t>
             </a:fld>
             <a:endParaRPr lang="en-US"/>
           </a:p>
@@ -1326,7 +1326,7 @@
           <a:p>
             <a:fld id="{6E5077B5-BB57-49DB-88CA-226A139E5C01}" type="datetime1">
               <a:rPr lang="en-US" smtClean="0"/>
-              <a:t>11/6/2016</a:t>
+              <a:t>11/7/2016</a:t>
             </a:fld>
             <a:endParaRPr lang="en-US"/>
           </a:p>
@@ -1578,7 +1578,7 @@
           <a:p>
             <a:fld id="{C48D9447-CBD6-49A1-89FD-8512A8CF8999}" type="datetime1">
               <a:rPr lang="en-US" smtClean="0"/>
-              <a:t>11/6/2016</a:t>
+              <a:t>11/7/2016</a:t>
             </a:fld>
             <a:endParaRPr lang="en-US"/>
           </a:p>
@@ -1746,7 +1746,7 @@
           <a:p>
             <a:fld id="{A3639A2A-823D-48B7-9ACE-7FAF42870BA9}" type="datetime1">
               <a:rPr lang="en-US" smtClean="0"/>
-              <a:t>11/6/2016</a:t>
+              <a:t>11/7/2016</a:t>
             </a:fld>
             <a:endParaRPr lang="en-US"/>
           </a:p>
@@ -1924,7 +1924,7 @@
           <a:p>
             <a:fld id="{ED1B6996-82E9-463C-972C-7B56056E426C}" type="datetime1">
               <a:rPr lang="en-US" smtClean="0"/>
-              <a:t>11/6/2016</a:t>
+              <a:t>11/7/2016</a:t>
             </a:fld>
             <a:endParaRPr lang="en-US"/>
           </a:p>
@@ -2098,7 +2098,7 @@
           <a:p>
             <a:fld id="{E22ED4DA-448D-4BB1-B935-CC112220207B}" type="datetime1">
               <a:rPr lang="en-US" smtClean="0"/>
-              <a:t>11/6/2016</a:t>
+              <a:t>11/7/2016</a:t>
             </a:fld>
             <a:endParaRPr lang="en-US"/>
           </a:p>
@@ -2271,7 +2271,7 @@
           <a:p>
             <a:fld id="{E22ED4DA-448D-4BB1-B935-CC112220207B}" type="datetime1">
               <a:rPr lang="en-US" smtClean="0"/>
-              <a:t>11/6/2016</a:t>
+              <a:t>11/7/2016</a:t>
             </a:fld>
             <a:endParaRPr lang="en-US"/>
           </a:p>
@@ -2531,7 +2531,7 @@
           <a:p>
             <a:fld id="{FF5D65A6-AB94-4435-B0B7-3743215FA46C}" type="datetime1">
               <a:rPr lang="en-US" smtClean="0"/>
-              <a:t>11/6/2016</a:t>
+              <a:t>11/7/2016</a:t>
             </a:fld>
             <a:endParaRPr lang="en-US"/>
           </a:p>
@@ -2824,7 +2824,7 @@
           <a:p>
             <a:fld id="{5D1846AD-9252-4647-9435-4C2AC365653A}" type="datetime1">
               <a:rPr lang="en-US" smtClean="0"/>
-              <a:t>11/6/2016</a:t>
+              <a:t>11/7/2016</a:t>
             </a:fld>
             <a:endParaRPr lang="en-US"/>
           </a:p>
@@ -3000,7 +3000,7 @@
           <a:p>
             <a:fld id="{FF5D65A6-AB94-4435-B0B7-3743215FA46C}" type="datetime1">
               <a:rPr lang="en-US" smtClean="0"/>
-              <a:t>11/6/2016</a:t>
+              <a:t>11/7/2016</a:t>
             </a:fld>
             <a:endParaRPr lang="en-US"/>
           </a:p>
@@ -3294,7 +3294,7 @@
           <a:p>
             <a:fld id="{7C193DC4-6EF0-48C9-B29C-616106A645E1}" type="datetime1">
               <a:rPr lang="en-US" smtClean="0"/>
-              <a:t>11/6/2016</a:t>
+              <a:t>11/7/2016</a:t>
             </a:fld>
             <a:endParaRPr lang="en-US"/>
           </a:p>
@@ -3579,7 +3579,7 @@
           <a:p>
             <a:fld id="{5D1846AD-9252-4647-9435-4C2AC365653A}" type="datetime1">
               <a:rPr lang="en-US" smtClean="0"/>
-              <a:t>11/6/2016</a:t>
+              <a:t>11/7/2016</a:t>
             </a:fld>
             <a:endParaRPr lang="en-US"/>
           </a:p>
@@ -3998,7 +3998,7 @@
           <a:p>
             <a:fld id="{CE56DC10-3561-4063-A6AF-C1CC7A41040A}" type="datetime1">
               <a:rPr lang="en-US" smtClean="0"/>
-              <a:t>11/6/2016</a:t>
+              <a:t>11/7/2016</a:t>
             </a:fld>
             <a:endParaRPr lang="en-US"/>
           </a:p>
@@ -4221,7 +4221,7 @@
           <a:p>
             <a:fld id="{02B3F677-983B-48DB-ADFD-63FE6CBC7FB2}" type="datetime1">
               <a:rPr lang="en-US" smtClean="0"/>
-              <a:t>11/6/2016</a:t>
+              <a:t>11/7/2016</a:t>
             </a:fld>
             <a:endParaRPr lang="en-US"/>
           </a:p>
@@ -4864,233 +4864,184 @@
             <p:ph idx="1"/>
           </p:nvPr>
         </p:nvSpPr>
-        <p:spPr/>
+        <p:spPr>
+          <a:xfrm>
+            <a:off x="457200" y="1600200"/>
+            <a:ext cx="8229600" cy="4756150"/>
+          </a:xfrm>
+        </p:spPr>
         <p:txBody>
           <a:bodyPr>
-            <a:normAutofit fontScale="32500" lnSpcReduction="20000"/>
+            <a:noAutofit/>
           </a:bodyPr>
           <a:lstStyle/>
           <a:p>
             <a:r>
-              <a:rPr lang="en-US" dirty="0"/>
-              <a:t>;; The </a:t>
-            </a:r>
-            <a:r>
-              <a:rPr lang="en-US" dirty="0" err="1"/>
+              <a:rPr lang="en-US" sz="1100" dirty="0"/>
+              <a:t>(define </a:t>
+            </a:r>
+            <a:r>
+              <a:rPr lang="en-US" sz="1100" dirty="0" err="1"/>
               <a:t>BallFactory</a:t>
             </a:r>
             <a:r>
-              <a:rPr lang="en-US" dirty="0"/>
-              <a:t>% class</a:t>
-            </a:r>
-          </a:p>
-          <a:p>
-            <a:endParaRPr lang="en-US" dirty="0"/>
-          </a:p>
-          <a:p>
-            <a:r>
-              <a:rPr lang="en-US" dirty="0"/>
-              <a:t>;; accepts "b" key events and adds them to the world.</a:t>
-            </a:r>
-          </a:p>
-          <a:p>
-            <a:r>
-              <a:rPr lang="en-US" dirty="0"/>
-              <a:t>;; gets the world as an </a:t>
-            </a:r>
-            <a:r>
-              <a:rPr lang="en-US" dirty="0" err="1"/>
+              <a:rPr lang="en-US" sz="1100" dirty="0"/>
+              <a:t>%</a:t>
+            </a:r>
+          </a:p>
+          <a:p>
+            <a:r>
+              <a:rPr lang="en-US" sz="1100" dirty="0"/>
+              <a:t>  (class* object% (</a:t>
+            </a:r>
+            <a:r>
+              <a:rPr lang="en-US" sz="1100" dirty="0" err="1"/>
+              <a:t>SWidget</a:t>
+            </a:r>
+            <a:r>
+              <a:rPr lang="en-US" sz="1100" dirty="0"/>
+              <a:t>&lt;%&gt;)</a:t>
+            </a:r>
+          </a:p>
+          <a:p>
+            <a:endParaRPr lang="en-US" sz="1100" dirty="0"/>
+          </a:p>
+          <a:p>
+            <a:r>
+              <a:rPr lang="en-US" sz="1100" dirty="0"/>
+              <a:t>    (</a:t>
+            </a:r>
+            <a:r>
+              <a:rPr lang="en-US" sz="1100" dirty="0" err="1"/>
               <a:t>init</a:t>
             </a:r>
             <a:r>
-              <a:rPr lang="en-US" dirty="0"/>
-              <a:t>-field</a:t>
-            </a:r>
-          </a:p>
-          <a:p>
-            <a:endParaRPr lang="en-US" dirty="0"/>
-          </a:p>
-          <a:p>
-            <a:r>
-              <a:rPr lang="en-US" dirty="0"/>
-              <a:t>(define </a:t>
-            </a:r>
-            <a:r>
-              <a:rPr lang="en-US" dirty="0" err="1"/>
-              <a:t>BallFactory</a:t>
-            </a:r>
-            <a:r>
-              <a:rPr lang="en-US" dirty="0"/>
-              <a:t>%</a:t>
-            </a:r>
-          </a:p>
-          <a:p>
-            <a:r>
-              <a:rPr lang="en-US" dirty="0"/>
-              <a:t>  (class* object% (</a:t>
-            </a:r>
-            <a:r>
-              <a:rPr lang="en-US" dirty="0" err="1"/>
-              <a:t>SWidget</a:t>
-            </a:r>
-            <a:r>
-              <a:rPr lang="en-US" dirty="0"/>
-              <a:t>&lt;%&gt;)</a:t>
-            </a:r>
-          </a:p>
-          <a:p>
-            <a:endParaRPr lang="en-US" dirty="0"/>
-          </a:p>
-          <a:p>
-            <a:r>
-              <a:rPr lang="en-US" dirty="0"/>
+              <a:rPr lang="en-US" sz="1100" dirty="0"/>
+              <a:t>-field world)  ; the world to which the factory adds balls</a:t>
+            </a:r>
+          </a:p>
+          <a:p>
+            <a:r>
+              <a:rPr lang="en-US" sz="1100" dirty="0"/>
               <a:t>    (</a:t>
             </a:r>
             <a:r>
-              <a:rPr lang="en-US" dirty="0" err="1"/>
+              <a:rPr lang="en-US" sz="1100" dirty="0" err="1"/>
               <a:t>init</a:t>
             </a:r>
             <a:r>
-              <a:rPr lang="en-US" dirty="0"/>
-              <a:t>-field world)  ; the world to which the factory adds balls</a:t>
-            </a:r>
-          </a:p>
-          <a:p>
-            <a:r>
-              <a:rPr lang="en-US" dirty="0"/>
-              <a:t>    (</a:t>
-            </a:r>
-            <a:r>
-              <a:rPr lang="en-US" dirty="0" err="1"/>
-              <a:t>init</a:t>
-            </a:r>
-            <a:r>
-              <a:rPr lang="en-US" dirty="0"/>
+              <a:rPr lang="en-US" sz="1100" dirty="0"/>
               <a:t>-field wall)   ; the wall that the new balls should bounce</a:t>
             </a:r>
           </a:p>
           <a:p>
             <a:r>
-              <a:rPr lang="en-US" dirty="0"/>
+              <a:rPr lang="en-US" sz="1100" dirty="0"/>
               <a:t>                        ; off of.</a:t>
             </a:r>
           </a:p>
           <a:p>
-            <a:endParaRPr lang="en-US" dirty="0"/>
-          </a:p>
-          <a:p>
-            <a:r>
-              <a:rPr lang="en-US" dirty="0"/>
+            <a:endParaRPr lang="en-US" sz="1100" dirty="0"/>
+          </a:p>
+          <a:p>
+            <a:r>
+              <a:rPr lang="en-US" sz="1100" dirty="0"/>
               <a:t>    (super-new)</a:t>
             </a:r>
           </a:p>
           <a:p>
-            <a:endParaRPr lang="en-US" dirty="0"/>
-          </a:p>
-          <a:p>
-            <a:r>
-              <a:rPr lang="en-US" dirty="0"/>
+            <a:endParaRPr lang="en-US" sz="1100" dirty="0"/>
+          </a:p>
+          <a:p>
+            <a:r>
+              <a:rPr lang="en-US" sz="1100" dirty="0"/>
               <a:t>    (define/public (after-key-event </a:t>
             </a:r>
             <a:r>
-              <a:rPr lang="en-US" dirty="0" err="1"/>
+              <a:rPr lang="en-US" sz="1100" dirty="0" err="1"/>
               <a:t>kev</a:t>
             </a:r>
             <a:r>
-              <a:rPr lang="en-US" dirty="0"/>
+              <a:rPr lang="en-US" sz="1100" dirty="0"/>
               <a:t>)</a:t>
             </a:r>
           </a:p>
           <a:p>
             <a:r>
-              <a:rPr lang="en-US" dirty="0"/>
+              <a:rPr lang="en-US" sz="1100" dirty="0"/>
               <a:t>      (cond</a:t>
             </a:r>
           </a:p>
           <a:p>
             <a:r>
-              <a:rPr lang="en-US" dirty="0"/>
+              <a:rPr lang="en-US" sz="1100" dirty="0"/>
               <a:t>        [(key=? </a:t>
             </a:r>
             <a:r>
-              <a:rPr lang="en-US" dirty="0" err="1"/>
+              <a:rPr lang="en-US" sz="1100" dirty="0" err="1"/>
               <a:t>kev</a:t>
             </a:r>
             <a:r>
-              <a:rPr lang="en-US" dirty="0"/>
+              <a:rPr lang="en-US" sz="1100" dirty="0"/>
               <a:t> "b")</a:t>
             </a:r>
           </a:p>
           <a:p>
             <a:r>
-              <a:rPr lang="en-US" dirty="0"/>
+              <a:rPr lang="en-US" sz="1100" dirty="0"/>
               <a:t>         (send world add-widget (new Ball% [w wall]))]))</a:t>
             </a:r>
           </a:p>
           <a:p>
-            <a:endParaRPr lang="en-US" dirty="0"/>
-          </a:p>
-          <a:p>
-            <a:r>
-              <a:rPr lang="en-US" dirty="0"/>
-              <a:t>    ;; the Ball Factory has no other behavior. Return nonsense values for Void,</a:t>
-            </a:r>
-          </a:p>
-          <a:p>
-            <a:r>
-              <a:rPr lang="en-US" dirty="0"/>
-              <a:t>    ;; to aid </a:t>
-            </a:r>
-            <a:r>
-              <a:rPr lang="en-US"/>
-              <a:t>in debugging.</a:t>
-            </a:r>
-            <a:endParaRPr lang="en-US" dirty="0"/>
-          </a:p>
-          <a:p>
-            <a:endParaRPr lang="en-US" dirty="0"/>
-          </a:p>
-          <a:p>
-            <a:r>
-              <a:rPr lang="en-US" dirty="0"/>
+            <a:endParaRPr lang="en-US" sz="1100" dirty="0"/>
+          </a:p>
+          <a:p>
+            <a:r>
+              <a:rPr lang="en-US" sz="1100" dirty="0"/>
+              <a:t>    ;; the Ball Factory has no other behavior. Return nonsense values for Void, to aid in debugging.</a:t>
+            </a:r>
+          </a:p>
+          <a:p>
+            <a:endParaRPr lang="en-US" sz="1100" dirty="0"/>
+          </a:p>
+          <a:p>
+            <a:r>
+              <a:rPr lang="en-US" sz="1100" dirty="0"/>
               <a:t>    (define/public (after-tick) 15)</a:t>
             </a:r>
           </a:p>
           <a:p>
             <a:r>
-              <a:rPr lang="en-US" dirty="0"/>
+              <a:rPr lang="en-US" sz="1100" dirty="0"/>
               <a:t>    (define/public (after-button-down mx my) 16)</a:t>
             </a:r>
           </a:p>
           <a:p>
             <a:r>
-              <a:rPr lang="en-US" dirty="0"/>
+              <a:rPr lang="en-US" sz="1100" dirty="0"/>
               <a:t>    (define/public (after-button-up mx my) 17)</a:t>
             </a:r>
           </a:p>
           <a:p>
             <a:r>
-              <a:rPr lang="en-US" dirty="0"/>
+              <a:rPr lang="en-US" sz="1100" dirty="0"/>
               <a:t>    (define/public (after-drag mx my) 18)</a:t>
             </a:r>
           </a:p>
           <a:p>
             <a:r>
-              <a:rPr lang="en-US" dirty="0"/>
+              <a:rPr lang="en-US" sz="1100" dirty="0"/>
               <a:t>    (define/public (add-to-scene s) s)</a:t>
             </a:r>
           </a:p>
           <a:p>
-            <a:endParaRPr lang="en-US" dirty="0"/>
-          </a:p>
-          <a:p>
-            <a:r>
-              <a:rPr lang="en-US" dirty="0"/>
+            <a:endParaRPr lang="en-US" sz="1100" dirty="0"/>
+          </a:p>
+          <a:p>
+            <a:r>
+              <a:rPr lang="en-US" sz="1100" dirty="0"/>
               <a:t>    ))</a:t>
             </a:r>
-          </a:p>
-          <a:p>
-            <a:endParaRPr lang="en-US" dirty="0"/>
           </a:p>
         </p:txBody>
       </p:sp>
@@ -5125,19 +5076,21 @@
         </p:nvSpPr>
         <p:spPr>
           <a:xfrm>
-            <a:off x="5638800" y="2286000"/>
-            <a:ext cx="3048000" cy="1676400"/>
+            <a:off x="5867400" y="1920875"/>
+            <a:ext cx="3048000" cy="2057400"/>
           </a:xfrm>
           <a:prstGeom prst="rect">
             <a:avLst/>
           </a:prstGeom>
           <a:solidFill>
-            <a:schemeClr val="accent3">
-              <a:lumMod val="40000"/>
-              <a:lumOff val="60000"/>
+            <a:schemeClr val="accent1">
+              <a:lumMod val="20000"/>
+              <a:lumOff val="80000"/>
             </a:schemeClr>
           </a:solidFill>
-          <a:ln/>
+          <a:ln>
+            <a:noFill/>
+          </a:ln>
         </p:spPr>
         <p:style>
           <a:lnRef idx="2">
@@ -5169,7 +5122,7 @@
                   <a:schemeClr val="tx1"/>
                 </a:solidFill>
               </a:rPr>
-              <a:t>The factory receives key events from the world.  On each "b", it creates a new ball, and then passes it to the world as an argument to </a:t>
+              <a:t>The factory receives key events from the world.  On each "b", it creates a new ball, and then passes the new ball to the world as an argument to </a:t>
             </a:r>
             <a:r>
               <a:rPr lang="en-US" b="1" dirty="0">
@@ -5343,7 +5296,7 @@
             </a:pPr>
             <a:r>
               <a:rPr lang="en-US" sz="1600" dirty="0"/>
-              <a:t>       (make-world-state (list the-ball) (list the-wall)))</a:t>
+              <a:t>       (make-world (list the-ball) (list the-wall)))</a:t>
             </a:r>
           </a:p>
           <a:p>
@@ -5457,12 +5410,14 @@
             <a:avLst/>
           </a:prstGeom>
           <a:solidFill>
-            <a:schemeClr val="accent3">
-              <a:lumMod val="40000"/>
-              <a:lumOff val="60000"/>
+            <a:schemeClr val="accent1">
+              <a:lumMod val="20000"/>
+              <a:lumOff val="80000"/>
             </a:schemeClr>
           </a:solidFill>
-          <a:ln/>
+          <a:ln>
+            <a:noFill/>
+          </a:ln>
         </p:spPr>
         <p:style>
           <a:lnRef idx="2">
@@ -5754,7 +5709,19 @@
           <a:p>
             <a:r>
               <a:rPr lang="en-US" dirty="0"/>
-              <a:t>Go play with 10-4-ball-factory.rkt</a:t>
+              <a:t>Go play with 10-5-ball-factory.rkt</a:t>
+            </a:r>
+          </a:p>
+          <a:p>
+            <a:r>
+              <a:rPr lang="en-US" dirty="0"/>
+              <a:t>Draw a diagram of the various classes in this system.</a:t>
+            </a:r>
+          </a:p>
+          <a:p>
+            <a:r>
+              <a:rPr lang="en-US" dirty="0"/>
+              <a:t>Draw a diagram of the different objects in this system.</a:t>
             </a:r>
           </a:p>
         </p:txBody>
@@ -5974,7 +5941,7 @@
           <a:p>
             <a:r>
               <a:rPr lang="en-US" dirty="0"/>
-              <a:t>Study 10-4-ball-factory.rkt in the Examples folder.</a:t>
+              <a:t>Study 10-5-ball-factory.rkt in the Examples folder.</a:t>
             </a:r>
           </a:p>
           <a:p>
@@ -5985,12 +5952,8 @@
           </a:p>
           <a:p>
             <a:r>
-              <a:rPr lang="en-US"/>
-              <a:t>Go </a:t>
-            </a:r>
-            <a:r>
-              <a:rPr lang="en-US" dirty="0"/>
-              <a:t>on to the next lesson.</a:t>
+              <a:rPr lang="en-US" dirty="0"/>
+              <a:t>Go on to the next lesson.</a:t>
             </a:r>
           </a:p>
         </p:txBody>
@@ -6733,12 +6696,14 @@
             <a:avLst/>
           </a:prstGeom>
           <a:solidFill>
-            <a:schemeClr val="accent3">
-              <a:lumMod val="40000"/>
-              <a:lumOff val="60000"/>
+            <a:schemeClr val="accent1">
+              <a:lumMod val="20000"/>
+              <a:lumOff val="80000"/>
             </a:schemeClr>
           </a:solidFill>
-          <a:ln/>
+          <a:ln>
+            <a:noFill/>
+          </a:ln>
         </p:spPr>
         <p:style>
           <a:lnRef idx="2">
@@ -6868,7 +6833,7 @@
           <a:p>
             <a:r>
               <a:rPr lang="en-US" dirty="0"/>
-              <a:t>(define (make-world-state </a:t>
+              <a:t>(define (make-world </a:t>
             </a:r>
             <a:r>
               <a:rPr lang="en-US" dirty="0" err="1"/>
@@ -6973,7 +6938,7 @@
             </a:r>
             <a:r>
               <a:rPr lang="en-US" dirty="0"/>
-              <a:t>)  ; </a:t>
+              <a:t>)   ; </a:t>
             </a:r>
             <a:r>
               <a:rPr lang="en-US" dirty="0" err="1"/>
@@ -7197,25 +7162,27 @@
       </p:sp>
       <p:sp>
         <p:nvSpPr>
-          <p:cNvPr id="5" name="Rectangle 4"/>
+          <p:cNvPr id="6" name="Rectangle 5"/>
           <p:cNvSpPr/>
           <p:nvPr/>
         </p:nvSpPr>
         <p:spPr>
           <a:xfrm>
-            <a:off x="5715000" y="1752600"/>
-            <a:ext cx="2362200" cy="1676400"/>
+            <a:off x="5029200" y="4256538"/>
+            <a:ext cx="2850292" cy="1066800"/>
           </a:xfrm>
           <a:prstGeom prst="rect">
             <a:avLst/>
           </a:prstGeom>
           <a:solidFill>
-            <a:schemeClr val="accent3">
-              <a:lumMod val="40000"/>
-              <a:lumOff val="60000"/>
+            <a:schemeClr val="accent1">
+              <a:lumMod val="20000"/>
+              <a:lumOff val="80000"/>
             </a:schemeClr>
           </a:solidFill>
-          <a:ln/>
+          <a:ln>
+            <a:noFill/>
+          </a:ln>
         </p:spPr>
         <p:style>
           <a:lnRef idx="2">
@@ -7232,62 +7199,6 @@
           </a:fontRef>
         </p:style>
         <p:txBody>
-          <a:bodyPr rot="0" spcFirstLastPara="0" vertOverflow="overflow" horzOverflow="overflow" vert="horz" wrap="square" lIns="91440" tIns="45720" rIns="91440" bIns="45720" numCol="1" spcCol="0" rtlCol="0" fromWordArt="0" anchor="t" anchorCtr="0" forceAA="0" compatLnSpc="1">
-            <a:prstTxWarp prst="textNoShape">
-              <a:avLst/>
-            </a:prstTxWarp>
-            <a:noAutofit/>
-          </a:bodyPr>
-          <a:lstStyle/>
-          <a:p>
-            <a:r>
-              <a:rPr lang="en-US" sz="1400" dirty="0">
-                <a:solidFill>
-                  <a:schemeClr val="tx1"/>
-                </a:solidFill>
-              </a:rPr>
-              <a:t>In keeping with Lesson 10.3, I've changed the name of this class of World% to World%, since it models an actual world, not merely the mathematical value that is its state.</a:t>
-            </a:r>
-          </a:p>
-        </p:txBody>
-      </p:sp>
-      <p:sp>
-        <p:nvSpPr>
-          <p:cNvPr id="6" name="Rectangle 5"/>
-          <p:cNvSpPr/>
-          <p:nvPr/>
-        </p:nvSpPr>
-        <p:spPr>
-          <a:xfrm>
-            <a:off x="5029200" y="4256538"/>
-            <a:ext cx="2850292" cy="1066800"/>
-          </a:xfrm>
-          <a:prstGeom prst="rect">
-            <a:avLst/>
-          </a:prstGeom>
-          <a:solidFill>
-            <a:schemeClr val="accent3">
-              <a:lumMod val="40000"/>
-              <a:lumOff val="60000"/>
-            </a:schemeClr>
-          </a:solidFill>
-          <a:ln/>
-        </p:spPr>
-        <p:style>
-          <a:lnRef idx="2">
-            <a:schemeClr val="accent1"/>
-          </a:lnRef>
-          <a:fillRef idx="1">
-            <a:schemeClr val="lt1"/>
-          </a:fillRef>
-          <a:effectRef idx="0">
-            <a:schemeClr val="accent1"/>
-          </a:effectRef>
-          <a:fontRef idx="minor">
-            <a:schemeClr val="dk1"/>
-          </a:fontRef>
-        </p:style>
-        <p:txBody>
           <a:bodyPr rot="0" spcFirstLastPara="0" vertOverflow="overflow" horzOverflow="overflow" vert="horz" wrap="square" lIns="91440" tIns="45720" rIns="91440" bIns="45720" numCol="1" spcCol="0" rtlCol="0" fromWordArt="0" anchor="ctr" anchorCtr="0" forceAA="0" compatLnSpc="1">
             <a:prstTxWarp prst="textNoShape">
               <a:avLst/>
@@ -7303,46 +7214,11 @@
                   <a:schemeClr val="tx1"/>
                 </a:solidFill>
               </a:rPr>
-              <a:t>We replace each call to make-world-state or new with a suitable set!, just as in the preceding lesson.</a:t>
-            </a:r>
-          </a:p>
-        </p:txBody>
-      </p:sp>
-      <p:cxnSp>
-        <p:nvCxnSpPr>
-          <p:cNvPr id="8" name="Straight Arrow Connector 7"/>
-          <p:cNvCxnSpPr>
-            <a:stCxn id="5" idx="1"/>
-          </p:cNvCxnSpPr>
-          <p:nvPr/>
-        </p:nvCxnSpPr>
-        <p:spPr>
-          <a:xfrm flipH="1" flipV="1">
-            <a:off x="1676400" y="2362200"/>
-            <a:ext cx="4038600" cy="228600"/>
-          </a:xfrm>
-          <a:prstGeom prst="straightConnector1">
-            <a:avLst/>
-          </a:prstGeom>
-          <a:ln>
-            <a:tailEnd type="triangle"/>
-          </a:ln>
-        </p:spPr>
-        <p:style>
-          <a:lnRef idx="1">
-            <a:schemeClr val="accent1"/>
-          </a:lnRef>
-          <a:fillRef idx="0">
-            <a:schemeClr val="accent1"/>
-          </a:fillRef>
-          <a:effectRef idx="0">
-            <a:schemeClr val="accent1"/>
-          </a:effectRef>
-          <a:fontRef idx="minor">
-            <a:schemeClr val="tx1"/>
-          </a:fontRef>
-        </p:style>
-      </p:cxnSp>
+              <a:t>We replace each call to make-world or new with a suitable set!, just as in the preceding lesson.</a:t>
+            </a:r>
+          </a:p>
+        </p:txBody>
+      </p:sp>
       <p:cxnSp>
         <p:nvCxnSpPr>
           <p:cNvPr id="10" name="Straight Arrow Connector 9"/>
@@ -7359,7 +7235,7 @@
           <a:prstGeom prst="straightConnector1">
             <a:avLst/>
           </a:prstGeom>
-          <a:ln>
+          <a:ln w="12700">
             <a:tailEnd type="triangle"/>
           </a:ln>
         </p:spPr>
@@ -7647,19 +7523,21 @@
         </p:nvSpPr>
         <p:spPr>
           <a:xfrm>
-            <a:off x="5562600" y="2743200"/>
-            <a:ext cx="2667000" cy="2590800"/>
+            <a:off x="5791200" y="2034381"/>
+            <a:ext cx="2667000" cy="3657600"/>
           </a:xfrm>
           <a:prstGeom prst="rect">
             <a:avLst/>
           </a:prstGeom>
           <a:solidFill>
-            <a:schemeClr val="accent3">
-              <a:lumMod val="40000"/>
-              <a:lumOff val="60000"/>
+            <a:schemeClr val="accent1">
+              <a:lumMod val="20000"/>
+              <a:lumOff val="80000"/>
             </a:schemeClr>
           </a:solidFill>
-          <a:ln/>
+          <a:ln>
+            <a:noFill/>
+          </a:ln>
         </p:spPr>
         <p:style>
           <a:lnRef idx="2">
@@ -7690,7 +7568,7 @@
             </a:r>
             <a:r>
               <a:rPr lang="en-US" b="1" dirty="0"/>
-              <a:t>Big-bang</a:t>
+              <a:t>big-bang</a:t>
             </a:r>
             <a:r>
               <a:rPr lang="en-US" dirty="0"/>
@@ -7700,7 +7578,27 @@
           <a:p>
             <a:r>
               <a:rPr lang="en-US" b="1" dirty="0"/>
-              <a:t>(begin (send w ...) w)</a:t>
+              <a:t>(begin (send w ...) w) </a:t>
+            </a:r>
+            <a:r>
+              <a:rPr lang="en-US" dirty="0"/>
+              <a:t>. The world is stable; it just changes its internal state. So </a:t>
+            </a:r>
+            <a:r>
+              <a:rPr lang="en-US" b="1" dirty="0"/>
+              <a:t>w</a:t>
+            </a:r>
+            <a:r>
+              <a:rPr lang="en-US" dirty="0"/>
+              <a:t> is the right world to return to </a:t>
+            </a:r>
+            <a:r>
+              <a:rPr lang="en-US" b="1" dirty="0"/>
+              <a:t>big-bang</a:t>
+            </a:r>
+            <a:r>
+              <a:rPr lang="en-US" dirty="0"/>
+              <a:t>.</a:t>
             </a:r>
             <a:endParaRPr lang="en-US" b="1" dirty="0">
               <a:solidFill>
@@ -7825,7 +7723,7 @@
           <a:p>
             <a:r>
               <a:rPr lang="en-US" sz="1800" dirty="0"/>
-              <a:t>    (make-world-state</a:t>
+              <a:t>    (make-world</a:t>
             </a:r>
           </a:p>
           <a:p>
@@ -7943,10 +7841,16 @@
               <a:t>First we add it to the interface </a:t>
             </a:r>
             <a:r>
+              <a:rPr lang="en-US" dirty="0" err="1">
+                <a:latin typeface="+mn-lt"/>
+              </a:rPr>
+              <a:t>SWorld</a:t>
+            </a:r>
+            <a:r>
               <a:rPr lang="en-US" dirty="0">
                 <a:latin typeface="+mn-lt"/>
               </a:rPr>
-              <a:t>World&lt;%&gt; </a:t>
+              <a:t>&lt;%&gt; </a:t>
             </a:r>
             <a:r>
               <a:rPr lang="en-US" b="0" dirty="0">

--- a/Slides/Lesson 10.5 Generalizing this Design.pptx
+++ b/Slides/Lesson 10.5 Generalizing this Design.pptx
@@ -225,7 +225,7 @@
           <a:p>
             <a:fld id="{B7676462-FC52-45C7-85E1-16BDE2BE239E}" type="datetimeFigureOut">
               <a:rPr lang="en-US" smtClean="0"/>
-              <a:t>11/7/2016</a:t>
+              <a:t>11/9/2016</a:t>
             </a:fld>
             <a:endParaRPr lang="en-US"/>
           </a:p>
@@ -839,7 +839,7 @@
           <a:p>
             <a:fld id="{2F1F79F5-7BEC-496A-AFC7-876E38F64D71}" type="datetime1">
               <a:rPr lang="en-US" smtClean="0"/>
-              <a:t>11/7/2016</a:t>
+              <a:t>11/9/2016</a:t>
             </a:fld>
             <a:endParaRPr lang="en-US"/>
           </a:p>
@@ -956,7 +956,7 @@
           <a:p>
             <a:fld id="{2F7B77F5-1464-4F6B-92A8-64FC8A508293}" type="datetime1">
               <a:rPr lang="en-US" smtClean="0"/>
-              <a:t>11/7/2016</a:t>
+              <a:t>11/9/2016</a:t>
             </a:fld>
             <a:endParaRPr lang="en-US"/>
           </a:p>
@@ -1051,7 +1051,7 @@
           <a:p>
             <a:fld id="{0A05703A-7669-4FEA-9056-25299B4D29D4}" type="datetime1">
               <a:rPr lang="en-US" smtClean="0"/>
-              <a:t>11/7/2016</a:t>
+              <a:t>11/9/2016</a:t>
             </a:fld>
             <a:endParaRPr lang="en-US"/>
           </a:p>
@@ -1326,7 +1326,7 @@
           <a:p>
             <a:fld id="{6E5077B5-BB57-49DB-88CA-226A139E5C01}" type="datetime1">
               <a:rPr lang="en-US" smtClean="0"/>
-              <a:t>11/7/2016</a:t>
+              <a:t>11/9/2016</a:t>
             </a:fld>
             <a:endParaRPr lang="en-US"/>
           </a:p>
@@ -1578,7 +1578,7 @@
           <a:p>
             <a:fld id="{C48D9447-CBD6-49A1-89FD-8512A8CF8999}" type="datetime1">
               <a:rPr lang="en-US" smtClean="0"/>
-              <a:t>11/7/2016</a:t>
+              <a:t>11/9/2016</a:t>
             </a:fld>
             <a:endParaRPr lang="en-US"/>
           </a:p>
@@ -1746,7 +1746,7 @@
           <a:p>
             <a:fld id="{A3639A2A-823D-48B7-9ACE-7FAF42870BA9}" type="datetime1">
               <a:rPr lang="en-US" smtClean="0"/>
-              <a:t>11/7/2016</a:t>
+              <a:t>11/9/2016</a:t>
             </a:fld>
             <a:endParaRPr lang="en-US"/>
           </a:p>
@@ -1924,7 +1924,7 @@
           <a:p>
             <a:fld id="{ED1B6996-82E9-463C-972C-7B56056E426C}" type="datetime1">
               <a:rPr lang="en-US" smtClean="0"/>
-              <a:t>11/7/2016</a:t>
+              <a:t>11/9/2016</a:t>
             </a:fld>
             <a:endParaRPr lang="en-US"/>
           </a:p>
@@ -2098,7 +2098,7 @@
           <a:p>
             <a:fld id="{E22ED4DA-448D-4BB1-B935-CC112220207B}" type="datetime1">
               <a:rPr lang="en-US" smtClean="0"/>
-              <a:t>11/7/2016</a:t>
+              <a:t>11/9/2016</a:t>
             </a:fld>
             <a:endParaRPr lang="en-US"/>
           </a:p>
@@ -2271,7 +2271,7 @@
           <a:p>
             <a:fld id="{E22ED4DA-448D-4BB1-B935-CC112220207B}" type="datetime1">
               <a:rPr lang="en-US" smtClean="0"/>
-              <a:t>11/7/2016</a:t>
+              <a:t>11/9/2016</a:t>
             </a:fld>
             <a:endParaRPr lang="en-US"/>
           </a:p>
@@ -2531,7 +2531,7 @@
           <a:p>
             <a:fld id="{FF5D65A6-AB94-4435-B0B7-3743215FA46C}" type="datetime1">
               <a:rPr lang="en-US" smtClean="0"/>
-              <a:t>11/7/2016</a:t>
+              <a:t>11/9/2016</a:t>
             </a:fld>
             <a:endParaRPr lang="en-US"/>
           </a:p>
@@ -2824,7 +2824,7 @@
           <a:p>
             <a:fld id="{5D1846AD-9252-4647-9435-4C2AC365653A}" type="datetime1">
               <a:rPr lang="en-US" smtClean="0"/>
-              <a:t>11/7/2016</a:t>
+              <a:t>11/9/2016</a:t>
             </a:fld>
             <a:endParaRPr lang="en-US"/>
           </a:p>
@@ -3000,7 +3000,7 @@
           <a:p>
             <a:fld id="{FF5D65A6-AB94-4435-B0B7-3743215FA46C}" type="datetime1">
               <a:rPr lang="en-US" smtClean="0"/>
-              <a:t>11/7/2016</a:t>
+              <a:t>11/9/2016</a:t>
             </a:fld>
             <a:endParaRPr lang="en-US"/>
           </a:p>
@@ -3294,7 +3294,7 @@
           <a:p>
             <a:fld id="{7C193DC4-6EF0-48C9-B29C-616106A645E1}" type="datetime1">
               <a:rPr lang="en-US" smtClean="0"/>
-              <a:t>11/7/2016</a:t>
+              <a:t>11/9/2016</a:t>
             </a:fld>
             <a:endParaRPr lang="en-US"/>
           </a:p>
@@ -3579,7 +3579,7 @@
           <a:p>
             <a:fld id="{5D1846AD-9252-4647-9435-4C2AC365653A}" type="datetime1">
               <a:rPr lang="en-US" smtClean="0"/>
-              <a:t>11/7/2016</a:t>
+              <a:t>11/9/2016</a:t>
             </a:fld>
             <a:endParaRPr lang="en-US"/>
           </a:p>
@@ -3998,7 +3998,7 @@
           <a:p>
             <a:fld id="{CE56DC10-3561-4063-A6AF-C1CC7A41040A}" type="datetime1">
               <a:rPr lang="en-US" smtClean="0"/>
-              <a:t>11/7/2016</a:t>
+              <a:t>11/9/2016</a:t>
             </a:fld>
             <a:endParaRPr lang="en-US"/>
           </a:p>
@@ -4221,7 +4221,7 @@
           <a:p>
             <a:fld id="{02B3F677-983B-48DB-ADFD-63FE6CBC7FB2}" type="datetime1">
               <a:rPr lang="en-US" smtClean="0"/>
-              <a:t>11/7/2016</a:t>
+              <a:t>11/9/2016</a:t>
             </a:fld>
             <a:endParaRPr lang="en-US"/>
           </a:p>
@@ -6786,295 +6786,320 @@
           <a:lstStyle/>
           <a:p>
             <a:r>
-              <a:rPr lang="en-US" dirty="0"/>
-              <a:t>World%</a:t>
-            </a:r>
-          </a:p>
-        </p:txBody>
-      </p:sp>
-      <p:sp>
-        <p:nvSpPr>
-          <p:cNvPr id="3" name="Content Placeholder 2"/>
-          <p:cNvSpPr>
-            <a:spLocks noGrp="1"/>
-          </p:cNvSpPr>
-          <p:nvPr>
-            <p:ph idx="1"/>
-          </p:nvPr>
-        </p:nvSpPr>
-        <p:spPr/>
-        <p:txBody>
-          <a:bodyPr>
-            <a:normAutofit fontScale="32500" lnSpcReduction="20000"/>
-          </a:bodyPr>
-          <a:lstStyle/>
-          <a:p>
-            <a:r>
-              <a:rPr lang="en-US" dirty="0"/>
-              <a:t>; </a:t>
-            </a:r>
-            <a:r>
-              <a:rPr lang="en-US" dirty="0" err="1"/>
-              <a:t>ListOfWidget</a:t>
-            </a:r>
-            <a:r>
-              <a:rPr lang="en-US" dirty="0"/>
-              <a:t> </a:t>
-            </a:r>
-            <a:r>
-              <a:rPr lang="en-US" dirty="0" err="1"/>
-              <a:t>ListOfSWidget</a:t>
-            </a:r>
-            <a:r>
-              <a:rPr lang="en-US" dirty="0"/>
-              <a:t> -&gt; World</a:t>
-            </a:r>
-          </a:p>
-          <a:p>
-            <a:r>
-              <a:rPr lang="en-US" dirty="0"/>
-              <a:t>(define (make-world </a:t>
-            </a:r>
-            <a:r>
-              <a:rPr lang="en-US" dirty="0" err="1"/>
-              <a:t>objs</a:t>
-            </a:r>
-            <a:r>
-              <a:rPr lang="en-US" dirty="0"/>
-              <a:t> </a:t>
-            </a:r>
-            <a:r>
-              <a:rPr lang="en-US" dirty="0" err="1"/>
-              <a:t>sobjs</a:t>
-            </a:r>
-            <a:r>
-              <a:rPr lang="en-US" dirty="0"/>
-              <a:t>)</a:t>
-            </a:r>
-          </a:p>
-          <a:p>
-            <a:r>
-              <a:rPr lang="en-US" dirty="0"/>
-              <a:t>  (new World% [</a:t>
-            </a:r>
-            <a:r>
-              <a:rPr lang="en-US" dirty="0" err="1"/>
-              <a:t>objs</a:t>
-            </a:r>
-            <a:r>
-              <a:rPr lang="en-US" dirty="0"/>
-              <a:t> </a:t>
-            </a:r>
-            <a:r>
-              <a:rPr lang="en-US" dirty="0" err="1"/>
-              <a:t>objs</a:t>
-            </a:r>
-            <a:r>
-              <a:rPr lang="en-US" dirty="0"/>
-              <a:t>][</a:t>
-            </a:r>
-            <a:r>
-              <a:rPr lang="en-US" dirty="0" err="1"/>
-              <a:t>sobjs</a:t>
-            </a:r>
-            <a:r>
-              <a:rPr lang="en-US" dirty="0"/>
-              <a:t> </a:t>
-            </a:r>
-            <a:r>
-              <a:rPr lang="en-US" dirty="0" err="1"/>
-              <a:t>sobjs</a:t>
-            </a:r>
-            <a:r>
-              <a:rPr lang="en-US" dirty="0"/>
-              <a:t>]))</a:t>
-            </a:r>
-          </a:p>
-          <a:p>
-            <a:endParaRPr lang="en-US" dirty="0"/>
-          </a:p>
-          <a:p>
-            <a:r>
-              <a:rPr lang="en-US" dirty="0"/>
-              <a:t>(define World%</a:t>
-            </a:r>
-          </a:p>
-          <a:p>
-            <a:r>
-              <a:rPr lang="en-US" dirty="0"/>
-              <a:t>  (class* object% (</a:t>
-            </a:r>
-            <a:r>
               <a:rPr lang="en-US" dirty="0" err="1"/>
               <a:t>SWorld</a:t>
             </a:r>
             <a:r>
               <a:rPr lang="en-US" dirty="0"/>
+              <a:t>%</a:t>
+            </a:r>
+          </a:p>
+        </p:txBody>
+      </p:sp>
+      <p:sp>
+        <p:nvSpPr>
+          <p:cNvPr id="3" name="Content Placeholder 2"/>
+          <p:cNvSpPr>
+            <a:spLocks noGrp="1"/>
+          </p:cNvSpPr>
+          <p:nvPr>
+            <p:ph idx="1"/>
+          </p:nvPr>
+        </p:nvSpPr>
+        <p:spPr>
+          <a:xfrm>
+            <a:off x="457200" y="1600200"/>
+            <a:ext cx="8229600" cy="4953000"/>
+          </a:xfrm>
+        </p:spPr>
+        <p:txBody>
+          <a:bodyPr>
+            <a:noAutofit/>
+          </a:bodyPr>
+          <a:lstStyle/>
+          <a:p>
+            <a:r>
+              <a:rPr lang="en-US" sz="1050" dirty="0"/>
+              <a:t>; </a:t>
+            </a:r>
+            <a:r>
+              <a:rPr lang="en-US" sz="1050" dirty="0" err="1"/>
+              <a:t>ListOfWidget</a:t>
+            </a:r>
+            <a:r>
+              <a:rPr lang="en-US" sz="1050" dirty="0"/>
+              <a:t> </a:t>
+            </a:r>
+            <a:r>
+              <a:rPr lang="en-US" sz="1050" dirty="0" err="1"/>
+              <a:t>ListOfSWidget</a:t>
+            </a:r>
+            <a:r>
+              <a:rPr lang="en-US" sz="1050" dirty="0"/>
+              <a:t> -&gt; World</a:t>
+            </a:r>
+          </a:p>
+          <a:p>
+            <a:r>
+              <a:rPr lang="en-US" sz="1050" dirty="0"/>
+              <a:t>(define (make-world </a:t>
+            </a:r>
+            <a:r>
+              <a:rPr lang="en-US" sz="1050" dirty="0" err="1"/>
+              <a:t>objs</a:t>
+            </a:r>
+            <a:r>
+              <a:rPr lang="en-US" sz="1050" dirty="0"/>
+              <a:t> </a:t>
+            </a:r>
+            <a:r>
+              <a:rPr lang="en-US" sz="1050" dirty="0" err="1"/>
+              <a:t>sobjs</a:t>
+            </a:r>
+            <a:r>
+              <a:rPr lang="en-US" sz="1050" dirty="0"/>
+              <a:t>)</a:t>
+            </a:r>
+          </a:p>
+          <a:p>
+            <a:r>
+              <a:rPr lang="en-US" sz="1050" dirty="0"/>
+              <a:t>  (new </a:t>
+            </a:r>
+            <a:r>
+              <a:rPr lang="en-US" sz="1050" dirty="0" err="1"/>
+              <a:t>SWorld</a:t>
+            </a:r>
+            <a:r>
+              <a:rPr lang="en-US" sz="1050" dirty="0"/>
+              <a:t>% [</a:t>
+            </a:r>
+            <a:r>
+              <a:rPr lang="en-US" sz="1050" dirty="0" err="1"/>
+              <a:t>objs</a:t>
+            </a:r>
+            <a:r>
+              <a:rPr lang="en-US" sz="1050" dirty="0"/>
+              <a:t> </a:t>
+            </a:r>
+            <a:r>
+              <a:rPr lang="en-US" sz="1050" dirty="0" err="1"/>
+              <a:t>objs</a:t>
+            </a:r>
+            <a:r>
+              <a:rPr lang="en-US" sz="1050" dirty="0"/>
+              <a:t>][</a:t>
+            </a:r>
+            <a:r>
+              <a:rPr lang="en-US" sz="1050" dirty="0" err="1"/>
+              <a:t>sobjs</a:t>
+            </a:r>
+            <a:r>
+              <a:rPr lang="en-US" sz="1050" dirty="0"/>
+              <a:t> </a:t>
+            </a:r>
+            <a:r>
+              <a:rPr lang="en-US" sz="1050" dirty="0" err="1"/>
+              <a:t>sobjs</a:t>
+            </a:r>
+            <a:r>
+              <a:rPr lang="en-US" sz="1050" dirty="0"/>
+              <a:t>]))</a:t>
+            </a:r>
+          </a:p>
+          <a:p>
+            <a:endParaRPr lang="en-US" sz="1050" dirty="0"/>
+          </a:p>
+          <a:p>
+            <a:r>
+              <a:rPr lang="en-US" sz="1050" dirty="0"/>
+              <a:t>(define </a:t>
+            </a:r>
+            <a:r>
+              <a:rPr lang="en-US" sz="1050" dirty="0" err="1"/>
+              <a:t>SWorld</a:t>
+            </a:r>
+            <a:r>
+              <a:rPr lang="en-US" sz="1050" dirty="0"/>
+              <a:t>%</a:t>
+            </a:r>
+          </a:p>
+          <a:p>
+            <a:r>
+              <a:rPr lang="en-US" sz="1050" dirty="0"/>
+              <a:t>  (class* object% (</a:t>
+            </a:r>
+            <a:r>
+              <a:rPr lang="en-US" sz="1050" dirty="0" err="1"/>
+              <a:t>SWorld</a:t>
+            </a:r>
+            <a:r>
+              <a:rPr lang="en-US" sz="1050" dirty="0"/>
               <a:t>&lt;%&gt;)</a:t>
             </a:r>
           </a:p>
           <a:p>
             <a:r>
-              <a:rPr lang="en-US" dirty="0"/>
+              <a:rPr lang="en-US" sz="1050" dirty="0"/>
               <a:t>    </a:t>
             </a:r>
           </a:p>
           <a:p>
             <a:r>
-              <a:rPr lang="en-US" dirty="0"/>
+              <a:rPr lang="en-US" sz="1050" dirty="0"/>
               <a:t>    (</a:t>
             </a:r>
             <a:r>
-              <a:rPr lang="en-US" dirty="0" err="1"/>
+              <a:rPr lang="en-US" sz="1050" dirty="0" err="1"/>
               <a:t>init</a:t>
             </a:r>
             <a:r>
-              <a:rPr lang="en-US" dirty="0"/>
+              <a:rPr lang="en-US" sz="1050" dirty="0"/>
               <a:t>-field </a:t>
             </a:r>
             <a:r>
-              <a:rPr lang="en-US" dirty="0" err="1"/>
+              <a:rPr lang="en-US" sz="1050" dirty="0" err="1"/>
               <a:t>objs</a:t>
             </a:r>
             <a:r>
-              <a:rPr lang="en-US" dirty="0"/>
+              <a:rPr lang="en-US" sz="1050" dirty="0"/>
               <a:t>)   ; </a:t>
             </a:r>
             <a:r>
-              <a:rPr lang="en-US" dirty="0" err="1"/>
+              <a:rPr lang="en-US" sz="1050" dirty="0" err="1"/>
               <a:t>ListOfWidget</a:t>
             </a:r>
-            <a:endParaRPr lang="en-US" dirty="0"/>
-          </a:p>
-          <a:p>
-            <a:r>
-              <a:rPr lang="en-US" dirty="0"/>
+            <a:endParaRPr lang="en-US" sz="1050" dirty="0"/>
+          </a:p>
+          <a:p>
+            <a:r>
+              <a:rPr lang="en-US" sz="1050" dirty="0"/>
               <a:t>    (</a:t>
             </a:r>
             <a:r>
-              <a:rPr lang="en-US" dirty="0" err="1"/>
+              <a:rPr lang="en-US" sz="1050" dirty="0" err="1"/>
               <a:t>init</a:t>
             </a:r>
             <a:r>
-              <a:rPr lang="en-US" dirty="0"/>
+              <a:rPr lang="en-US" sz="1050" dirty="0"/>
               <a:t>-field </a:t>
             </a:r>
             <a:r>
-              <a:rPr lang="en-US" dirty="0" err="1"/>
+              <a:rPr lang="en-US" sz="1050" dirty="0" err="1"/>
               <a:t>sobjs</a:t>
             </a:r>
             <a:r>
-              <a:rPr lang="en-US" dirty="0"/>
+              <a:rPr lang="en-US" sz="1050" dirty="0"/>
               <a:t>)  ; </a:t>
             </a:r>
             <a:r>
-              <a:rPr lang="en-US" dirty="0" err="1"/>
+              <a:rPr lang="en-US" sz="1050" dirty="0" err="1"/>
               <a:t>ListOfSWidget</a:t>
             </a:r>
-            <a:endParaRPr lang="en-US" dirty="0"/>
-          </a:p>
-          <a:p>
-            <a:endParaRPr lang="en-US" dirty="0"/>
-          </a:p>
-          <a:p>
-            <a:r>
-              <a:rPr lang="en-US" dirty="0"/>
+            <a:endParaRPr lang="en-US" sz="1050" dirty="0"/>
+          </a:p>
+          <a:p>
+            <a:endParaRPr lang="en-US" sz="1050" dirty="0"/>
+          </a:p>
+          <a:p>
+            <a:r>
+              <a:rPr lang="en-US" sz="1050" dirty="0"/>
               <a:t>    (super-new)</a:t>
             </a:r>
           </a:p>
           <a:p>
-            <a:endParaRPr lang="en-US" dirty="0"/>
-          </a:p>
-          <a:p>
-            <a:r>
-              <a:rPr lang="en-US" dirty="0"/>
+            <a:endParaRPr lang="en-US" sz="1050" dirty="0"/>
+          </a:p>
+          <a:p>
+            <a:r>
+              <a:rPr lang="en-US" sz="1050" dirty="0"/>
               <a:t>    ;; after-tick : -&gt; Void</a:t>
             </a:r>
           </a:p>
           <a:p>
             <a:r>
-              <a:rPr lang="en-US" dirty="0"/>
+              <a:rPr lang="en-US" sz="1050" dirty="0"/>
               <a:t>    ;; Use map on the Widgets in this World; use for-each on the</a:t>
             </a:r>
           </a:p>
           <a:p>
             <a:r>
-              <a:rPr lang="en-US" dirty="0"/>
+              <a:rPr lang="en-US" sz="1050" dirty="0"/>
               <a:t>    ;; </a:t>
             </a:r>
             <a:r>
-              <a:rPr lang="en-US" dirty="0" err="1"/>
+              <a:rPr lang="en-US" sz="1050" dirty="0" err="1"/>
               <a:t>stateful</a:t>
             </a:r>
             <a:r>
-              <a:rPr lang="en-US" dirty="0"/>
+              <a:rPr lang="en-US" sz="1050" dirty="0"/>
               <a:t> widgets</a:t>
             </a:r>
           </a:p>
           <a:p>
-            <a:endParaRPr lang="en-US" dirty="0"/>
-          </a:p>
-          <a:p>
-            <a:r>
-              <a:rPr lang="en-US" dirty="0"/>
+            <a:endParaRPr lang="en-US" sz="1050" dirty="0"/>
+          </a:p>
+          <a:p>
+            <a:r>
+              <a:rPr lang="en-US" sz="1050" dirty="0"/>
               <a:t>    (define/public (after-tick)</a:t>
             </a:r>
           </a:p>
           <a:p>
             <a:r>
-              <a:rPr lang="en-US" dirty="0"/>
+              <a:rPr lang="en-US" sz="1050" dirty="0"/>
               <a:t>      (begin</a:t>
             </a:r>
           </a:p>
           <a:p>
             <a:r>
-              <a:rPr lang="en-US" dirty="0"/>
+              <a:rPr lang="en-US" sz="1050" dirty="0"/>
               <a:t>        (for-each</a:t>
             </a:r>
           </a:p>
           <a:p>
             <a:r>
-              <a:rPr lang="en-US" dirty="0"/>
+              <a:rPr lang="en-US" sz="1050" dirty="0"/>
               <a:t>          (lambda (</a:t>
             </a:r>
             <a:r>
-              <a:rPr lang="en-US" dirty="0" err="1"/>
+              <a:rPr lang="en-US" sz="1050" dirty="0" err="1"/>
               <a:t>obj</a:t>
             </a:r>
             <a:r>
-              <a:rPr lang="en-US" dirty="0"/>
+              <a:rPr lang="en-US" sz="1050" dirty="0"/>
               <a:t>) (send </a:t>
             </a:r>
             <a:r>
-              <a:rPr lang="en-US" dirty="0" err="1"/>
+              <a:rPr lang="en-US" sz="1050" dirty="0" err="1"/>
               <a:t>obj</a:t>
             </a:r>
             <a:r>
-              <a:rPr lang="en-US" dirty="0"/>
+              <a:rPr lang="en-US" sz="1050" dirty="0"/>
               <a:t> after-tick))</a:t>
             </a:r>
           </a:p>
           <a:p>
             <a:r>
-              <a:rPr lang="en-US" dirty="0"/>
+              <a:rPr lang="en-US" sz="1050" dirty="0"/>
               <a:t>          </a:t>
             </a:r>
             <a:r>
-              <a:rPr lang="en-US" dirty="0" err="1"/>
+              <a:rPr lang="en-US" sz="1050" dirty="0" err="1"/>
               <a:t>sobjs</a:t>
             </a:r>
             <a:r>
-              <a:rPr lang="en-US" dirty="0"/>
+              <a:rPr lang="en-US" sz="1050" dirty="0"/>
               <a:t>)</a:t>
             </a:r>
           </a:p>
           <a:p>
             <a:r>
-              <a:rPr lang="en-US" dirty="0"/>
+              <a:rPr lang="en-US" sz="1050" dirty="0"/>
               <a:t>        (</a:t>
             </a:r>
             <a:r>
-              <a:rPr lang="en-US" dirty="0">
+              <a:rPr lang="en-US" sz="1050" dirty="0">
                 <a:solidFill>
                   <a:srgbClr val="FF0000"/>
                 </a:solidFill>
@@ -7082,58 +7107,58 @@
               <a:t>set! </a:t>
             </a:r>
             <a:r>
-              <a:rPr lang="en-US" dirty="0" err="1"/>
+              <a:rPr lang="en-US" sz="1050" dirty="0" err="1"/>
               <a:t>objs</a:t>
             </a:r>
             <a:r>
-              <a:rPr lang="en-US" dirty="0"/>
+              <a:rPr lang="en-US" sz="1050" dirty="0"/>
               <a:t> </a:t>
             </a:r>
           </a:p>
           <a:p>
             <a:r>
-              <a:rPr lang="en-US" dirty="0"/>
+              <a:rPr lang="en-US" sz="1050" dirty="0"/>
               <a:t>          (map </a:t>
             </a:r>
           </a:p>
           <a:p>
             <a:r>
-              <a:rPr lang="en-US" dirty="0"/>
+              <a:rPr lang="en-US" sz="1050" dirty="0"/>
               <a:t>            (lambda (</a:t>
             </a:r>
             <a:r>
-              <a:rPr lang="en-US" dirty="0" err="1"/>
+              <a:rPr lang="en-US" sz="1050" dirty="0" err="1"/>
               <a:t>obj</a:t>
             </a:r>
             <a:r>
-              <a:rPr lang="en-US" dirty="0"/>
+              <a:rPr lang="en-US" sz="1050" dirty="0"/>
               <a:t>) (send </a:t>
             </a:r>
             <a:r>
-              <a:rPr lang="en-US" dirty="0" err="1"/>
+              <a:rPr lang="en-US" sz="1050" dirty="0" err="1"/>
               <a:t>obj</a:t>
             </a:r>
             <a:r>
-              <a:rPr lang="en-US" dirty="0"/>
+              <a:rPr lang="en-US" sz="1050" dirty="0"/>
               <a:t> after-tick))</a:t>
             </a:r>
           </a:p>
           <a:p>
             <a:r>
-              <a:rPr lang="en-US" dirty="0"/>
+              <a:rPr lang="en-US" sz="1050" dirty="0"/>
               <a:t>            </a:t>
             </a:r>
             <a:r>
-              <a:rPr lang="en-US" dirty="0" err="1"/>
+              <a:rPr lang="en-US" sz="1050" dirty="0" err="1"/>
               <a:t>objs</a:t>
             </a:r>
             <a:r>
-              <a:rPr lang="en-US" dirty="0"/>
+              <a:rPr lang="en-US" sz="1050" dirty="0"/>
               <a:t>))))</a:t>
             </a:r>
           </a:p>
           <a:p>
-            <a:endParaRPr lang="en-US" dirty="0"/>
+            <a:endParaRPr lang="en-US" sz="1050" dirty="0"/>
           </a:p>
         </p:txBody>
       </p:sp>
@@ -7168,7 +7193,7 @@
         </p:nvSpPr>
         <p:spPr>
           <a:xfrm>
-            <a:off x="5029200" y="4256538"/>
+            <a:off x="5128054" y="5037138"/>
             <a:ext cx="2850292" cy="1066800"/>
           </a:xfrm>
           <a:prstGeom prst="rect">
@@ -7214,7 +7239,23 @@
                   <a:schemeClr val="tx1"/>
                 </a:solidFill>
               </a:rPr>
-              <a:t>We replace each call to make-world or new with a suitable set!, just as in the preceding lesson.</a:t>
+              <a:t>We replace each call to make-</a:t>
+            </a:r>
+            <a:r>
+              <a:rPr lang="en-US" sz="1400" dirty="0" err="1">
+                <a:solidFill>
+                  <a:schemeClr val="tx1"/>
+                </a:solidFill>
+              </a:rPr>
+              <a:t>sworld</a:t>
+            </a:r>
+            <a:r>
+              <a:rPr lang="en-US" sz="1400" dirty="0">
+                <a:solidFill>
+                  <a:schemeClr val="tx1"/>
+                </a:solidFill>
+              </a:rPr>
+              <a:t> or new with a suitable set!, just as in the preceding lesson.</a:t>
             </a:r>
           </a:p>
         </p:txBody>
@@ -7229,8 +7270,8 @@
         </p:nvCxnSpPr>
         <p:spPr>
           <a:xfrm flipH="1">
-            <a:off x="1905000" y="4789938"/>
-            <a:ext cx="3124200" cy="86862"/>
+            <a:off x="2057400" y="5570538"/>
+            <a:ext cx="3070654" cy="220662"/>
           </a:xfrm>
           <a:prstGeom prst="straightConnector1">
             <a:avLst/>
@@ -7681,8 +7722,13 @@
           <a:p>
             <a:r>
               <a:rPr lang="en-US" sz="1800" dirty="0"/>
-              <a:t>;; initial-world : -&gt; World</a:t>
-            </a:r>
+              <a:t>;; initial-world : -&gt; </a:t>
+            </a:r>
+            <a:r>
+              <a:rPr lang="en-US" sz="1800" dirty="0" err="1"/>
+              <a:t>SWorld</a:t>
+            </a:r>
+            <a:endParaRPr lang="en-US" sz="1800" dirty="0"/>
           </a:p>
           <a:p>
             <a:r>
@@ -7723,8 +7769,13 @@
           <a:p>
             <a:r>
               <a:rPr lang="en-US" sz="1800" dirty="0"/>
-              <a:t>    (make-world</a:t>
-            </a:r>
+              <a:t>    (make-</a:t>
+            </a:r>
+            <a:r>
+              <a:rPr lang="en-US" sz="1800" dirty="0" err="1"/>
+              <a:t>sworld</a:t>
+            </a:r>
+            <a:endParaRPr lang="en-US" sz="1800" dirty="0"/>
           </a:p>
           <a:p>
             <a:r>
@@ -7812,7 +7863,7 @@
           <a:p>
             <a:r>
               <a:rPr lang="en-US" dirty="0"/>
-              <a:t>Now let's add a method to add new widgets to the world</a:t>
+              <a:t>Now let's add methods to add new widgets to the world</a:t>
             </a:r>
           </a:p>
         </p:txBody>
@@ -8079,7 +8130,15 @@
             </a:r>
             <a:r>
               <a:rPr lang="en-US" sz="1800" dirty="0"/>
-              <a:t>-widget w)</a:t>
+              <a:t>-widget </a:t>
+            </a:r>
+            <a:r>
+              <a:rPr lang="en-US" sz="1800" dirty="0" err="1"/>
+              <a:t>sw</a:t>
+            </a:r>
+            <a:r>
+              <a:rPr lang="en-US" sz="1800" dirty="0"/>
+              <a:t>)</a:t>
             </a:r>
           </a:p>
           <a:p>
@@ -8093,7 +8152,15 @@
             </a:r>
             <a:r>
               <a:rPr lang="en-US" sz="1800" dirty="0"/>
-              <a:t> (cons w </a:t>
+              <a:t> (cons </a:t>
+            </a:r>
+            <a:r>
+              <a:rPr lang="en-US" sz="1800" dirty="0" err="1"/>
+              <a:t>sw</a:t>
+            </a:r>
+            <a:r>
+              <a:rPr lang="en-US" sz="1800" dirty="0"/>
+              <a:t> </a:t>
             </a:r>
             <a:r>
               <a:rPr lang="en-US" sz="1800" dirty="0" err="1"/>
